--- a/Datenbanktheorie/Diplomarbeitstestpräsentation.pptx
+++ b/Datenbanktheorie/Diplomarbeitstestpräsentation.pptx
@@ -5,7 +5,7 @@
     <p:sldMasterId id="2147483648" r:id="rId1"/>
   </p:sldMasterIdLst>
   <p:notesMasterIdLst>
-    <p:notesMasterId r:id="rId13"/>
+    <p:notesMasterId r:id="rId14"/>
   </p:notesMasterIdLst>
   <p:sldIdLst>
     <p:sldId id="256" r:id="rId2"/>
@@ -18,7 +18,8 @@
     <p:sldId id="263" r:id="rId9"/>
     <p:sldId id="264" r:id="rId10"/>
     <p:sldId id="265" r:id="rId11"/>
-    <p:sldId id="266" r:id="rId12"/>
+    <p:sldId id="267" r:id="rId12"/>
+    <p:sldId id="266" r:id="rId13"/>
   </p:sldIdLst>
   <p:sldSz cx="12192000" cy="6858000"/>
   <p:notesSz cx="6858000" cy="9144000"/>
@@ -207,7 +208,7 @@
           <a:p>
             <a:fld id="{CEFAF170-B3D4-41BE-B449-F4E39E4ADB16}" type="datetimeFigureOut">
               <a:rPr lang="de-AT" smtClean="0"/>
-              <a:t>02.08.2021</a:t>
+              <a:t>03.08.2021</a:t>
             </a:fld>
             <a:endParaRPr lang="de-AT"/>
           </a:p>
@@ -475,6 +476,1137 @@
 </p:notesMaster>
 </file>
 
+<file path=ppt/notesSlides/notesSlide1.xml><?xml version="1.0" encoding="utf-8"?>
+<p:notes xmlns:a="http://schemas.openxmlformats.org/drawingml/2006/main" xmlns:r="http://schemas.openxmlformats.org/officeDocument/2006/relationships" xmlns:p="http://schemas.openxmlformats.org/presentationml/2006/main">
+  <p:cSld>
+    <p:spTree>
+      <p:nvGrpSpPr>
+        <p:cNvPr id="1" name=""/>
+        <p:cNvGrpSpPr/>
+        <p:nvPr/>
+      </p:nvGrpSpPr>
+      <p:grpSpPr>
+        <a:xfrm>
+          <a:off x="0" y="0"/>
+          <a:ext cx="0" cy="0"/>
+          <a:chOff x="0" y="0"/>
+          <a:chExt cx="0" cy="0"/>
+        </a:xfrm>
+      </p:grpSpPr>
+      <p:sp>
+        <p:nvSpPr>
+          <p:cNvPr id="2" name="Folienbildplatzhalter 1"/>
+          <p:cNvSpPr>
+            <a:spLocks noGrp="1" noRot="1" noChangeAspect="1"/>
+          </p:cNvSpPr>
+          <p:nvPr>
+            <p:ph type="sldImg"/>
+          </p:nvPr>
+        </p:nvSpPr>
+        <p:spPr/>
+      </p:sp>
+      <p:sp>
+        <p:nvSpPr>
+          <p:cNvPr id="3" name="Notizenplatzhalter 2"/>
+          <p:cNvSpPr>
+            <a:spLocks noGrp="1"/>
+          </p:cNvSpPr>
+          <p:nvPr>
+            <p:ph type="body" idx="1"/>
+          </p:nvPr>
+        </p:nvSpPr>
+        <p:spPr/>
+        <p:txBody>
+          <a:bodyPr/>
+          <a:lstStyle/>
+          <a:p>
+            <a:r>
+              <a:rPr lang="de-AT" dirty="0"/>
+              <a:t>Begrüßung, Formell? </a:t>
+            </a:r>
+            <a:r>
+              <a:rPr lang="de-AT" dirty="0" err="1"/>
+              <a:t>Meh</a:t>
+            </a:r>
+            <a:r>
+              <a:rPr lang="de-AT" dirty="0"/>
+              <a:t>, auf Person </a:t>
+            </a:r>
+            <a:r>
+              <a:rPr lang="de-AT" dirty="0" err="1"/>
+              <a:t>zuschneidern</a:t>
+            </a:r>
+            <a:endParaRPr lang="de-AT" dirty="0"/>
+          </a:p>
+        </p:txBody>
+      </p:sp>
+      <p:sp>
+        <p:nvSpPr>
+          <p:cNvPr id="4" name="Foliennummernplatzhalter 3"/>
+          <p:cNvSpPr>
+            <a:spLocks noGrp="1"/>
+          </p:cNvSpPr>
+          <p:nvPr>
+            <p:ph type="sldNum" sz="quarter" idx="5"/>
+          </p:nvPr>
+        </p:nvSpPr>
+        <p:spPr/>
+        <p:txBody>
+          <a:bodyPr/>
+          <a:lstStyle/>
+          <a:p>
+            <a:fld id="{0322D104-B052-4D32-9B98-535F2339CBA4}" type="slidenum">
+              <a:rPr lang="de-AT" smtClean="0"/>
+              <a:t>1</a:t>
+            </a:fld>
+            <a:endParaRPr lang="de-AT"/>
+          </a:p>
+        </p:txBody>
+      </p:sp>
+    </p:spTree>
+    <p:extLst>
+      <p:ext uri="{BB962C8B-B14F-4D97-AF65-F5344CB8AC3E}">
+        <p14:creationId xmlns:p14="http://schemas.microsoft.com/office/powerpoint/2010/main" val="2704988284"/>
+      </p:ext>
+    </p:extLst>
+  </p:cSld>
+  <p:clrMapOvr>
+    <a:masterClrMapping/>
+  </p:clrMapOvr>
+</p:notes>
+</file>
+
+<file path=ppt/notesSlides/notesSlide10.xml><?xml version="1.0" encoding="utf-8"?>
+<p:notes xmlns:a="http://schemas.openxmlformats.org/drawingml/2006/main" xmlns:r="http://schemas.openxmlformats.org/officeDocument/2006/relationships" xmlns:p="http://schemas.openxmlformats.org/presentationml/2006/main">
+  <p:cSld>
+    <p:spTree>
+      <p:nvGrpSpPr>
+        <p:cNvPr id="1" name=""/>
+        <p:cNvGrpSpPr/>
+        <p:nvPr/>
+      </p:nvGrpSpPr>
+      <p:grpSpPr>
+        <a:xfrm>
+          <a:off x="0" y="0"/>
+          <a:ext cx="0" cy="0"/>
+          <a:chOff x="0" y="0"/>
+          <a:chExt cx="0" cy="0"/>
+        </a:xfrm>
+      </p:grpSpPr>
+      <p:sp>
+        <p:nvSpPr>
+          <p:cNvPr id="2" name="Folienbildplatzhalter 1"/>
+          <p:cNvSpPr>
+            <a:spLocks noGrp="1" noRot="1" noChangeAspect="1"/>
+          </p:cNvSpPr>
+          <p:nvPr>
+            <p:ph type="sldImg"/>
+          </p:nvPr>
+        </p:nvSpPr>
+        <p:spPr/>
+      </p:sp>
+      <p:sp>
+        <p:nvSpPr>
+          <p:cNvPr id="3" name="Notizenplatzhalter 2"/>
+          <p:cNvSpPr>
+            <a:spLocks noGrp="1"/>
+          </p:cNvSpPr>
+          <p:nvPr>
+            <p:ph type="body" idx="1"/>
+          </p:nvPr>
+        </p:nvSpPr>
+        <p:spPr/>
+        <p:txBody>
+          <a:bodyPr/>
+          <a:lstStyle/>
+          <a:p>
+            <a:r>
+              <a:rPr lang="de-AT" dirty="0"/>
+              <a:t>Fragen was gut und was schlecht war</a:t>
+            </a:r>
+          </a:p>
+          <a:p>
+            <a:endParaRPr lang="de-AT" dirty="0"/>
+          </a:p>
+        </p:txBody>
+      </p:sp>
+      <p:sp>
+        <p:nvSpPr>
+          <p:cNvPr id="4" name="Foliennummernplatzhalter 3"/>
+          <p:cNvSpPr>
+            <a:spLocks noGrp="1"/>
+          </p:cNvSpPr>
+          <p:nvPr>
+            <p:ph type="sldNum" sz="quarter" idx="5"/>
+          </p:nvPr>
+        </p:nvSpPr>
+        <p:spPr/>
+        <p:txBody>
+          <a:bodyPr/>
+          <a:lstStyle/>
+          <a:p>
+            <a:fld id="{0322D104-B052-4D32-9B98-535F2339CBA4}" type="slidenum">
+              <a:rPr lang="de-AT" smtClean="0"/>
+              <a:t>10</a:t>
+            </a:fld>
+            <a:endParaRPr lang="de-AT"/>
+          </a:p>
+        </p:txBody>
+      </p:sp>
+    </p:spTree>
+    <p:extLst>
+      <p:ext uri="{BB962C8B-B14F-4D97-AF65-F5344CB8AC3E}">
+        <p14:creationId xmlns:p14="http://schemas.microsoft.com/office/powerpoint/2010/main" val="3579431191"/>
+      </p:ext>
+    </p:extLst>
+  </p:cSld>
+  <p:clrMapOvr>
+    <a:masterClrMapping/>
+  </p:clrMapOvr>
+</p:notes>
+</file>
+
+<file path=ppt/notesSlides/notesSlide11.xml><?xml version="1.0" encoding="utf-8"?>
+<p:notes xmlns:a="http://schemas.openxmlformats.org/drawingml/2006/main" xmlns:r="http://schemas.openxmlformats.org/officeDocument/2006/relationships" xmlns:p="http://schemas.openxmlformats.org/presentationml/2006/main">
+  <p:cSld>
+    <p:spTree>
+      <p:nvGrpSpPr>
+        <p:cNvPr id="1" name=""/>
+        <p:cNvGrpSpPr/>
+        <p:nvPr/>
+      </p:nvGrpSpPr>
+      <p:grpSpPr>
+        <a:xfrm>
+          <a:off x="0" y="0"/>
+          <a:ext cx="0" cy="0"/>
+          <a:chOff x="0" y="0"/>
+          <a:chExt cx="0" cy="0"/>
+        </a:xfrm>
+      </p:grpSpPr>
+      <p:sp>
+        <p:nvSpPr>
+          <p:cNvPr id="2" name="Folienbildplatzhalter 1"/>
+          <p:cNvSpPr>
+            <a:spLocks noGrp="1" noRot="1" noChangeAspect="1"/>
+          </p:cNvSpPr>
+          <p:nvPr>
+            <p:ph type="sldImg"/>
+          </p:nvPr>
+        </p:nvSpPr>
+        <p:spPr/>
+      </p:sp>
+      <p:sp>
+        <p:nvSpPr>
+          <p:cNvPr id="3" name="Notizenplatzhalter 2"/>
+          <p:cNvSpPr>
+            <a:spLocks noGrp="1"/>
+          </p:cNvSpPr>
+          <p:nvPr>
+            <p:ph type="body" idx="1"/>
+          </p:nvPr>
+        </p:nvSpPr>
+        <p:spPr/>
+        <p:txBody>
+          <a:bodyPr/>
+          <a:lstStyle/>
+          <a:p>
+            <a:r>
+              <a:rPr lang="de-AT" dirty="0"/>
+              <a:t>Sagen wies Praktikum war</a:t>
+            </a:r>
+          </a:p>
+        </p:txBody>
+      </p:sp>
+      <p:sp>
+        <p:nvSpPr>
+          <p:cNvPr id="4" name="Foliennummernplatzhalter 3"/>
+          <p:cNvSpPr>
+            <a:spLocks noGrp="1"/>
+          </p:cNvSpPr>
+          <p:nvPr>
+            <p:ph type="sldNum" sz="quarter" idx="5"/>
+          </p:nvPr>
+        </p:nvSpPr>
+        <p:spPr/>
+        <p:txBody>
+          <a:bodyPr/>
+          <a:lstStyle/>
+          <a:p>
+            <a:fld id="{0322D104-B052-4D32-9B98-535F2339CBA4}" type="slidenum">
+              <a:rPr lang="de-AT" smtClean="0"/>
+              <a:t>11</a:t>
+            </a:fld>
+            <a:endParaRPr lang="de-AT"/>
+          </a:p>
+        </p:txBody>
+      </p:sp>
+    </p:spTree>
+    <p:extLst>
+      <p:ext uri="{BB962C8B-B14F-4D97-AF65-F5344CB8AC3E}">
+        <p14:creationId xmlns:p14="http://schemas.microsoft.com/office/powerpoint/2010/main" val="2154736637"/>
+      </p:ext>
+    </p:extLst>
+  </p:cSld>
+  <p:clrMapOvr>
+    <a:masterClrMapping/>
+  </p:clrMapOvr>
+</p:notes>
+</file>
+
+<file path=ppt/notesSlides/notesSlide12.xml><?xml version="1.0" encoding="utf-8"?>
+<p:notes xmlns:a="http://schemas.openxmlformats.org/drawingml/2006/main" xmlns:r="http://schemas.openxmlformats.org/officeDocument/2006/relationships" xmlns:p="http://schemas.openxmlformats.org/presentationml/2006/main">
+  <p:cSld>
+    <p:spTree>
+      <p:nvGrpSpPr>
+        <p:cNvPr id="1" name=""/>
+        <p:cNvGrpSpPr/>
+        <p:nvPr/>
+      </p:nvGrpSpPr>
+      <p:grpSpPr>
+        <a:xfrm>
+          <a:off x="0" y="0"/>
+          <a:ext cx="0" cy="0"/>
+          <a:chOff x="0" y="0"/>
+          <a:chExt cx="0" cy="0"/>
+        </a:xfrm>
+      </p:grpSpPr>
+      <p:sp>
+        <p:nvSpPr>
+          <p:cNvPr id="2" name="Folienbildplatzhalter 1"/>
+          <p:cNvSpPr>
+            <a:spLocks noGrp="1" noRot="1" noChangeAspect="1"/>
+          </p:cNvSpPr>
+          <p:nvPr>
+            <p:ph type="sldImg"/>
+          </p:nvPr>
+        </p:nvSpPr>
+        <p:spPr/>
+      </p:sp>
+      <p:sp>
+        <p:nvSpPr>
+          <p:cNvPr id="3" name="Notizenplatzhalter 2"/>
+          <p:cNvSpPr>
+            <a:spLocks noGrp="1"/>
+          </p:cNvSpPr>
+          <p:nvPr>
+            <p:ph type="body" idx="1"/>
+          </p:nvPr>
+        </p:nvSpPr>
+        <p:spPr/>
+        <p:txBody>
+          <a:bodyPr/>
+          <a:lstStyle/>
+          <a:p>
+            <a:r>
+              <a:rPr lang="de-AT" dirty="0"/>
+              <a:t>Links und </a:t>
+            </a:r>
+            <a:r>
+              <a:rPr lang="de-AT" dirty="0" err="1"/>
+              <a:t>co.</a:t>
+            </a:r>
+            <a:r>
+              <a:rPr lang="de-AT"/>
+              <a:t> </a:t>
+            </a:r>
+          </a:p>
+        </p:txBody>
+      </p:sp>
+      <p:sp>
+        <p:nvSpPr>
+          <p:cNvPr id="4" name="Foliennummernplatzhalter 3"/>
+          <p:cNvSpPr>
+            <a:spLocks noGrp="1"/>
+          </p:cNvSpPr>
+          <p:nvPr>
+            <p:ph type="sldNum" sz="quarter" idx="5"/>
+          </p:nvPr>
+        </p:nvSpPr>
+        <p:spPr/>
+        <p:txBody>
+          <a:bodyPr/>
+          <a:lstStyle/>
+          <a:p>
+            <a:fld id="{0322D104-B052-4D32-9B98-535F2339CBA4}" type="slidenum">
+              <a:rPr lang="de-AT" smtClean="0"/>
+              <a:t>12</a:t>
+            </a:fld>
+            <a:endParaRPr lang="de-AT"/>
+          </a:p>
+        </p:txBody>
+      </p:sp>
+    </p:spTree>
+    <p:extLst>
+      <p:ext uri="{BB962C8B-B14F-4D97-AF65-F5344CB8AC3E}">
+        <p14:creationId xmlns:p14="http://schemas.microsoft.com/office/powerpoint/2010/main" val="2018045759"/>
+      </p:ext>
+    </p:extLst>
+  </p:cSld>
+  <p:clrMapOvr>
+    <a:masterClrMapping/>
+  </p:clrMapOvr>
+</p:notes>
+</file>
+
+<file path=ppt/notesSlides/notesSlide2.xml><?xml version="1.0" encoding="utf-8"?>
+<p:notes xmlns:a="http://schemas.openxmlformats.org/drawingml/2006/main" xmlns:r="http://schemas.openxmlformats.org/officeDocument/2006/relationships" xmlns:p="http://schemas.openxmlformats.org/presentationml/2006/main">
+  <p:cSld>
+    <p:spTree>
+      <p:nvGrpSpPr>
+        <p:cNvPr id="1" name=""/>
+        <p:cNvGrpSpPr/>
+        <p:nvPr/>
+      </p:nvGrpSpPr>
+      <p:grpSpPr>
+        <a:xfrm>
+          <a:off x="0" y="0"/>
+          <a:ext cx="0" cy="0"/>
+          <a:chOff x="0" y="0"/>
+          <a:chExt cx="0" cy="0"/>
+        </a:xfrm>
+      </p:grpSpPr>
+      <p:sp>
+        <p:nvSpPr>
+          <p:cNvPr id="2" name="Folienbildplatzhalter 1"/>
+          <p:cNvSpPr>
+            <a:spLocks noGrp="1" noRot="1" noChangeAspect="1"/>
+          </p:cNvSpPr>
+          <p:nvPr>
+            <p:ph type="sldImg"/>
+          </p:nvPr>
+        </p:nvSpPr>
+        <p:spPr/>
+      </p:sp>
+      <p:sp>
+        <p:nvSpPr>
+          <p:cNvPr id="3" name="Notizenplatzhalter 2"/>
+          <p:cNvSpPr>
+            <a:spLocks noGrp="1"/>
+          </p:cNvSpPr>
+          <p:nvPr>
+            <p:ph type="body" idx="1"/>
+          </p:nvPr>
+        </p:nvSpPr>
+        <p:spPr/>
+        <p:txBody>
+          <a:bodyPr/>
+          <a:lstStyle/>
+          <a:p>
+            <a:r>
+              <a:rPr lang="de-AT" dirty="0"/>
+              <a:t>Inhalt: Diplomarbeitsthemen, Eher Eckdaten.</a:t>
+            </a:r>
+          </a:p>
+          <a:p>
+            <a:r>
+              <a:rPr lang="de-AT" dirty="0"/>
+              <a:t>Dann „Wie kam es zum Projekt?“, Showcase, Datenbank</a:t>
+            </a:r>
+          </a:p>
+          <a:p>
+            <a:r>
+              <a:rPr lang="de-AT" dirty="0"/>
+              <a:t>Als letztes dann die kurze </a:t>
+            </a:r>
+            <a:r>
+              <a:rPr lang="de-AT" dirty="0" err="1"/>
+              <a:t>redezeit</a:t>
+            </a:r>
+            <a:endParaRPr lang="de-AT" dirty="0"/>
+          </a:p>
+        </p:txBody>
+      </p:sp>
+      <p:sp>
+        <p:nvSpPr>
+          <p:cNvPr id="4" name="Foliennummernplatzhalter 3"/>
+          <p:cNvSpPr>
+            <a:spLocks noGrp="1"/>
+          </p:cNvSpPr>
+          <p:nvPr>
+            <p:ph type="sldNum" sz="quarter" idx="5"/>
+          </p:nvPr>
+        </p:nvSpPr>
+        <p:spPr/>
+        <p:txBody>
+          <a:bodyPr/>
+          <a:lstStyle/>
+          <a:p>
+            <a:fld id="{0322D104-B052-4D32-9B98-535F2339CBA4}" type="slidenum">
+              <a:rPr lang="de-AT" smtClean="0"/>
+              <a:t>2</a:t>
+            </a:fld>
+            <a:endParaRPr lang="de-AT"/>
+          </a:p>
+        </p:txBody>
+      </p:sp>
+    </p:spTree>
+    <p:extLst>
+      <p:ext uri="{BB962C8B-B14F-4D97-AF65-F5344CB8AC3E}">
+        <p14:creationId xmlns:p14="http://schemas.microsoft.com/office/powerpoint/2010/main" val="4292759006"/>
+      </p:ext>
+    </p:extLst>
+  </p:cSld>
+  <p:clrMapOvr>
+    <a:masterClrMapping/>
+  </p:clrMapOvr>
+</p:notes>
+</file>
+
+<file path=ppt/notesSlides/notesSlide3.xml><?xml version="1.0" encoding="utf-8"?>
+<p:notes xmlns:a="http://schemas.openxmlformats.org/drawingml/2006/main" xmlns:r="http://schemas.openxmlformats.org/officeDocument/2006/relationships" xmlns:p="http://schemas.openxmlformats.org/presentationml/2006/main">
+  <p:cSld>
+    <p:spTree>
+      <p:nvGrpSpPr>
+        <p:cNvPr id="1" name=""/>
+        <p:cNvGrpSpPr/>
+        <p:nvPr/>
+      </p:nvGrpSpPr>
+      <p:grpSpPr>
+        <a:xfrm>
+          <a:off x="0" y="0"/>
+          <a:ext cx="0" cy="0"/>
+          <a:chOff x="0" y="0"/>
+          <a:chExt cx="0" cy="0"/>
+        </a:xfrm>
+      </p:grpSpPr>
+      <p:sp>
+        <p:nvSpPr>
+          <p:cNvPr id="2" name="Folienbildplatzhalter 1"/>
+          <p:cNvSpPr>
+            <a:spLocks noGrp="1" noRot="1" noChangeAspect="1"/>
+          </p:cNvSpPr>
+          <p:nvPr>
+            <p:ph type="sldImg"/>
+          </p:nvPr>
+        </p:nvSpPr>
+        <p:spPr/>
+      </p:sp>
+      <p:sp>
+        <p:nvSpPr>
+          <p:cNvPr id="3" name="Notizenplatzhalter 2"/>
+          <p:cNvSpPr>
+            <a:spLocks noGrp="1"/>
+          </p:cNvSpPr>
+          <p:nvPr>
+            <p:ph type="body" idx="1"/>
+          </p:nvPr>
+        </p:nvSpPr>
+        <p:spPr/>
+        <p:txBody>
+          <a:bodyPr/>
+          <a:lstStyle/>
+          <a:p>
+            <a:r>
+              <a:rPr lang="de-AT" dirty="0"/>
+              <a:t>Auftraggeber „Backstory“</a:t>
+            </a:r>
+          </a:p>
+          <a:p>
+            <a:r>
+              <a:rPr lang="de-AT" dirty="0"/>
+              <a:t>Schule kleines „Was ist ne Diplomarbeit“</a:t>
+            </a:r>
+          </a:p>
+        </p:txBody>
+      </p:sp>
+      <p:sp>
+        <p:nvSpPr>
+          <p:cNvPr id="4" name="Foliennummernplatzhalter 3"/>
+          <p:cNvSpPr>
+            <a:spLocks noGrp="1"/>
+          </p:cNvSpPr>
+          <p:nvPr>
+            <p:ph type="sldNum" sz="quarter" idx="5"/>
+          </p:nvPr>
+        </p:nvSpPr>
+        <p:spPr/>
+        <p:txBody>
+          <a:bodyPr/>
+          <a:lstStyle/>
+          <a:p>
+            <a:fld id="{0322D104-B052-4D32-9B98-535F2339CBA4}" type="slidenum">
+              <a:rPr lang="de-AT" smtClean="0"/>
+              <a:t>3</a:t>
+            </a:fld>
+            <a:endParaRPr lang="de-AT"/>
+          </a:p>
+        </p:txBody>
+      </p:sp>
+    </p:spTree>
+    <p:extLst>
+      <p:ext uri="{BB962C8B-B14F-4D97-AF65-F5344CB8AC3E}">
+        <p14:creationId xmlns:p14="http://schemas.microsoft.com/office/powerpoint/2010/main" val="3915486648"/>
+      </p:ext>
+    </p:extLst>
+  </p:cSld>
+  <p:clrMapOvr>
+    <a:masterClrMapping/>
+  </p:clrMapOvr>
+</p:notes>
+</file>
+
+<file path=ppt/notesSlides/notesSlide4.xml><?xml version="1.0" encoding="utf-8"?>
+<p:notes xmlns:a="http://schemas.openxmlformats.org/drawingml/2006/main" xmlns:r="http://schemas.openxmlformats.org/officeDocument/2006/relationships" xmlns:p="http://schemas.openxmlformats.org/presentationml/2006/main">
+  <p:cSld>
+    <p:spTree>
+      <p:nvGrpSpPr>
+        <p:cNvPr id="1" name=""/>
+        <p:cNvGrpSpPr/>
+        <p:nvPr/>
+      </p:nvGrpSpPr>
+      <p:grpSpPr>
+        <a:xfrm>
+          <a:off x="0" y="0"/>
+          <a:ext cx="0" cy="0"/>
+          <a:chOff x="0" y="0"/>
+          <a:chExt cx="0" cy="0"/>
+        </a:xfrm>
+      </p:grpSpPr>
+      <p:sp>
+        <p:nvSpPr>
+          <p:cNvPr id="2" name="Folienbildplatzhalter 1"/>
+          <p:cNvSpPr>
+            <a:spLocks noGrp="1" noRot="1" noChangeAspect="1"/>
+          </p:cNvSpPr>
+          <p:nvPr>
+            <p:ph type="sldImg"/>
+          </p:nvPr>
+        </p:nvSpPr>
+        <p:spPr/>
+      </p:sp>
+      <p:sp>
+        <p:nvSpPr>
+          <p:cNvPr id="3" name="Notizenplatzhalter 2"/>
+          <p:cNvSpPr>
+            <a:spLocks noGrp="1"/>
+          </p:cNvSpPr>
+          <p:nvPr>
+            <p:ph type="body" idx="1"/>
+          </p:nvPr>
+        </p:nvSpPr>
+        <p:spPr/>
+        <p:txBody>
+          <a:bodyPr/>
+          <a:lstStyle/>
+          <a:p>
+            <a:r>
+              <a:rPr lang="de-AT" dirty="0"/>
+              <a:t>Wer ist an der Diplomarbeit beteiligt (Eher Mark und Niklas behandeln. Mich überfliegen)</a:t>
+            </a:r>
+          </a:p>
+        </p:txBody>
+      </p:sp>
+      <p:sp>
+        <p:nvSpPr>
+          <p:cNvPr id="4" name="Foliennummernplatzhalter 3"/>
+          <p:cNvSpPr>
+            <a:spLocks noGrp="1"/>
+          </p:cNvSpPr>
+          <p:nvPr>
+            <p:ph type="sldNum" sz="quarter" idx="5"/>
+          </p:nvPr>
+        </p:nvSpPr>
+        <p:spPr/>
+        <p:txBody>
+          <a:bodyPr/>
+          <a:lstStyle/>
+          <a:p>
+            <a:fld id="{0322D104-B052-4D32-9B98-535F2339CBA4}" type="slidenum">
+              <a:rPr lang="de-AT" smtClean="0"/>
+              <a:t>4</a:t>
+            </a:fld>
+            <a:endParaRPr lang="de-AT"/>
+          </a:p>
+        </p:txBody>
+      </p:sp>
+    </p:spTree>
+    <p:extLst>
+      <p:ext uri="{BB962C8B-B14F-4D97-AF65-F5344CB8AC3E}">
+        <p14:creationId xmlns:p14="http://schemas.microsoft.com/office/powerpoint/2010/main" val="237906833"/>
+      </p:ext>
+    </p:extLst>
+  </p:cSld>
+  <p:clrMapOvr>
+    <a:masterClrMapping/>
+  </p:clrMapOvr>
+</p:notes>
+</file>
+
+<file path=ppt/notesSlides/notesSlide5.xml><?xml version="1.0" encoding="utf-8"?>
+<p:notes xmlns:a="http://schemas.openxmlformats.org/drawingml/2006/main" xmlns:r="http://schemas.openxmlformats.org/officeDocument/2006/relationships" xmlns:p="http://schemas.openxmlformats.org/presentationml/2006/main">
+  <p:cSld>
+    <p:spTree>
+      <p:nvGrpSpPr>
+        <p:cNvPr id="1" name=""/>
+        <p:cNvGrpSpPr/>
+        <p:nvPr/>
+      </p:nvGrpSpPr>
+      <p:grpSpPr>
+        <a:xfrm>
+          <a:off x="0" y="0"/>
+          <a:ext cx="0" cy="0"/>
+          <a:chOff x="0" y="0"/>
+          <a:chExt cx="0" cy="0"/>
+        </a:xfrm>
+      </p:grpSpPr>
+      <p:sp>
+        <p:nvSpPr>
+          <p:cNvPr id="2" name="Folienbildplatzhalter 1"/>
+          <p:cNvSpPr>
+            <a:spLocks noGrp="1" noRot="1" noChangeAspect="1"/>
+          </p:cNvSpPr>
+          <p:nvPr>
+            <p:ph type="sldImg"/>
+          </p:nvPr>
+        </p:nvSpPr>
+        <p:spPr/>
+      </p:sp>
+      <p:sp>
+        <p:nvSpPr>
+          <p:cNvPr id="3" name="Notizenplatzhalter 2"/>
+          <p:cNvSpPr>
+            <a:spLocks noGrp="1"/>
+          </p:cNvSpPr>
+          <p:nvPr>
+            <p:ph type="body" idx="1"/>
+          </p:nvPr>
+        </p:nvSpPr>
+        <p:spPr/>
+        <p:txBody>
+          <a:bodyPr/>
+          <a:lstStyle/>
+          <a:p>
+            <a:r>
+              <a:rPr lang="de-AT" dirty="0"/>
+              <a:t>Was gehört zu meinen Aufgaben (Datenbank/Dokumente/Zeichnen). Hier auf: Wie kann ich im Praktikum mich auf diese Aufgaben am besten vorbereiten?</a:t>
+            </a:r>
+          </a:p>
+        </p:txBody>
+      </p:sp>
+      <p:sp>
+        <p:nvSpPr>
+          <p:cNvPr id="4" name="Foliennummernplatzhalter 3"/>
+          <p:cNvSpPr>
+            <a:spLocks noGrp="1"/>
+          </p:cNvSpPr>
+          <p:nvPr>
+            <p:ph type="sldNum" sz="quarter" idx="5"/>
+          </p:nvPr>
+        </p:nvSpPr>
+        <p:spPr/>
+        <p:txBody>
+          <a:bodyPr/>
+          <a:lstStyle/>
+          <a:p>
+            <a:fld id="{0322D104-B052-4D32-9B98-535F2339CBA4}" type="slidenum">
+              <a:rPr lang="de-AT" smtClean="0"/>
+              <a:t>5</a:t>
+            </a:fld>
+            <a:endParaRPr lang="de-AT"/>
+          </a:p>
+        </p:txBody>
+      </p:sp>
+    </p:spTree>
+    <p:extLst>
+      <p:ext uri="{BB962C8B-B14F-4D97-AF65-F5344CB8AC3E}">
+        <p14:creationId xmlns:p14="http://schemas.microsoft.com/office/powerpoint/2010/main" val="3899876346"/>
+      </p:ext>
+    </p:extLst>
+  </p:cSld>
+  <p:clrMapOvr>
+    <a:masterClrMapping/>
+  </p:clrMapOvr>
+</p:notes>
+</file>
+
+<file path=ppt/notesSlides/notesSlide6.xml><?xml version="1.0" encoding="utf-8"?>
+<p:notes xmlns:a="http://schemas.openxmlformats.org/drawingml/2006/main" xmlns:r="http://schemas.openxmlformats.org/officeDocument/2006/relationships" xmlns:p="http://schemas.openxmlformats.org/presentationml/2006/main">
+  <p:cSld>
+    <p:spTree>
+      <p:nvGrpSpPr>
+        <p:cNvPr id="1" name=""/>
+        <p:cNvGrpSpPr/>
+        <p:nvPr/>
+      </p:nvGrpSpPr>
+      <p:grpSpPr>
+        <a:xfrm>
+          <a:off x="0" y="0"/>
+          <a:ext cx="0" cy="0"/>
+          <a:chOff x="0" y="0"/>
+          <a:chExt cx="0" cy="0"/>
+        </a:xfrm>
+      </p:grpSpPr>
+      <p:sp>
+        <p:nvSpPr>
+          <p:cNvPr id="2" name="Folienbildplatzhalter 1"/>
+          <p:cNvSpPr>
+            <a:spLocks noGrp="1" noRot="1" noChangeAspect="1"/>
+          </p:cNvSpPr>
+          <p:nvPr>
+            <p:ph type="sldImg"/>
+          </p:nvPr>
+        </p:nvSpPr>
+        <p:spPr/>
+      </p:sp>
+      <p:sp>
+        <p:nvSpPr>
+          <p:cNvPr id="3" name="Notizenplatzhalter 2"/>
+          <p:cNvSpPr>
+            <a:spLocks noGrp="1"/>
+          </p:cNvSpPr>
+          <p:nvPr>
+            <p:ph type="body" idx="1"/>
+          </p:nvPr>
+        </p:nvSpPr>
+        <p:spPr/>
+        <p:txBody>
+          <a:bodyPr/>
+          <a:lstStyle/>
+          <a:p>
+            <a:r>
+              <a:rPr lang="de-AT" dirty="0"/>
+              <a:t>Was waren die Vorgaben (Anwendung schreiben) Unterricht </a:t>
+            </a:r>
+            <a:r>
+              <a:rPr lang="de-AT" dirty="0" err="1"/>
+              <a:t>c#</a:t>
+            </a:r>
+            <a:r>
+              <a:rPr lang="de-AT" dirty="0"/>
+              <a:t> mit Server vor kurzem behandelt</a:t>
+            </a:r>
+          </a:p>
+          <a:p>
+            <a:r>
+              <a:rPr lang="de-AT" dirty="0"/>
+              <a:t>Ergebnisse vom DB-Vergleich einfließen lassen</a:t>
+            </a:r>
+          </a:p>
+          <a:p>
+            <a:r>
+              <a:rPr lang="de-AT" dirty="0"/>
+              <a:t>Warum </a:t>
+            </a:r>
+            <a:r>
+              <a:rPr lang="de-AT" dirty="0" err="1"/>
+              <a:t>Northwind</a:t>
+            </a:r>
+            <a:r>
+              <a:rPr lang="de-AT" dirty="0"/>
+              <a:t>?</a:t>
+            </a:r>
+          </a:p>
+          <a:p>
+            <a:r>
+              <a:rPr lang="de-AT" dirty="0"/>
+              <a:t>Welche Funktionen?</a:t>
+            </a:r>
+          </a:p>
+        </p:txBody>
+      </p:sp>
+      <p:sp>
+        <p:nvSpPr>
+          <p:cNvPr id="4" name="Foliennummernplatzhalter 3"/>
+          <p:cNvSpPr>
+            <a:spLocks noGrp="1"/>
+          </p:cNvSpPr>
+          <p:nvPr>
+            <p:ph type="sldNum" sz="quarter" idx="5"/>
+          </p:nvPr>
+        </p:nvSpPr>
+        <p:spPr/>
+        <p:txBody>
+          <a:bodyPr/>
+          <a:lstStyle/>
+          <a:p>
+            <a:fld id="{0322D104-B052-4D32-9B98-535F2339CBA4}" type="slidenum">
+              <a:rPr lang="de-AT" smtClean="0"/>
+              <a:t>6</a:t>
+            </a:fld>
+            <a:endParaRPr lang="de-AT"/>
+          </a:p>
+        </p:txBody>
+      </p:sp>
+    </p:spTree>
+    <p:extLst>
+      <p:ext uri="{BB962C8B-B14F-4D97-AF65-F5344CB8AC3E}">
+        <p14:creationId xmlns:p14="http://schemas.microsoft.com/office/powerpoint/2010/main" val="3362678768"/>
+      </p:ext>
+    </p:extLst>
+  </p:cSld>
+  <p:clrMapOvr>
+    <a:masterClrMapping/>
+  </p:clrMapOvr>
+</p:notes>
+</file>
+
+<file path=ppt/notesSlides/notesSlide7.xml><?xml version="1.0" encoding="utf-8"?>
+<p:notes xmlns:a="http://schemas.openxmlformats.org/drawingml/2006/main" xmlns:r="http://schemas.openxmlformats.org/officeDocument/2006/relationships" xmlns:p="http://schemas.openxmlformats.org/presentationml/2006/main">
+  <p:cSld>
+    <p:spTree>
+      <p:nvGrpSpPr>
+        <p:cNvPr id="1" name=""/>
+        <p:cNvGrpSpPr/>
+        <p:nvPr/>
+      </p:nvGrpSpPr>
+      <p:grpSpPr>
+        <a:xfrm>
+          <a:off x="0" y="0"/>
+          <a:ext cx="0" cy="0"/>
+          <a:chOff x="0" y="0"/>
+          <a:chExt cx="0" cy="0"/>
+        </a:xfrm>
+      </p:grpSpPr>
+      <p:sp>
+        <p:nvSpPr>
+          <p:cNvPr id="2" name="Folienbildplatzhalter 1"/>
+          <p:cNvSpPr>
+            <a:spLocks noGrp="1" noRot="1" noChangeAspect="1"/>
+          </p:cNvSpPr>
+          <p:nvPr>
+            <p:ph type="sldImg"/>
+          </p:nvPr>
+        </p:nvSpPr>
+        <p:spPr/>
+      </p:sp>
+      <p:sp>
+        <p:nvSpPr>
+          <p:cNvPr id="3" name="Notizenplatzhalter 2"/>
+          <p:cNvSpPr>
+            <a:spLocks noGrp="1"/>
+          </p:cNvSpPr>
+          <p:nvPr>
+            <p:ph type="body" idx="1"/>
+          </p:nvPr>
+        </p:nvSpPr>
+        <p:spPr/>
+        <p:txBody>
+          <a:bodyPr/>
+          <a:lstStyle/>
+          <a:p>
+            <a:r>
+              <a:rPr lang="de-AT" dirty="0"/>
+              <a:t>Kurz auf Tabellen eingehen(Warum genau diese?)</a:t>
+            </a:r>
+          </a:p>
+          <a:p>
+            <a:r>
+              <a:rPr lang="de-AT" dirty="0"/>
+              <a:t>Bekannt, Variabel, Sortierbar</a:t>
+            </a:r>
+          </a:p>
+        </p:txBody>
+      </p:sp>
+      <p:sp>
+        <p:nvSpPr>
+          <p:cNvPr id="4" name="Foliennummernplatzhalter 3"/>
+          <p:cNvSpPr>
+            <a:spLocks noGrp="1"/>
+          </p:cNvSpPr>
+          <p:nvPr>
+            <p:ph type="sldNum" sz="quarter" idx="5"/>
+          </p:nvPr>
+        </p:nvSpPr>
+        <p:spPr/>
+        <p:txBody>
+          <a:bodyPr/>
+          <a:lstStyle/>
+          <a:p>
+            <a:fld id="{0322D104-B052-4D32-9B98-535F2339CBA4}" type="slidenum">
+              <a:rPr lang="de-AT" smtClean="0"/>
+              <a:t>7</a:t>
+            </a:fld>
+            <a:endParaRPr lang="de-AT"/>
+          </a:p>
+        </p:txBody>
+      </p:sp>
+    </p:spTree>
+    <p:extLst>
+      <p:ext uri="{BB962C8B-B14F-4D97-AF65-F5344CB8AC3E}">
+        <p14:creationId xmlns:p14="http://schemas.microsoft.com/office/powerpoint/2010/main" val="235248587"/>
+      </p:ext>
+    </p:extLst>
+  </p:cSld>
+  <p:clrMapOvr>
+    <a:masterClrMapping/>
+  </p:clrMapOvr>
+</p:notes>
+</file>
+
+<file path=ppt/notesSlides/notesSlide8.xml><?xml version="1.0" encoding="utf-8"?>
+<p:notes xmlns:a="http://schemas.openxmlformats.org/drawingml/2006/main" xmlns:r="http://schemas.openxmlformats.org/officeDocument/2006/relationships" xmlns:p="http://schemas.openxmlformats.org/presentationml/2006/main">
+  <p:cSld>
+    <p:spTree>
+      <p:nvGrpSpPr>
+        <p:cNvPr id="1" name=""/>
+        <p:cNvGrpSpPr/>
+        <p:nvPr/>
+      </p:nvGrpSpPr>
+      <p:grpSpPr>
+        <a:xfrm>
+          <a:off x="0" y="0"/>
+          <a:ext cx="0" cy="0"/>
+          <a:chOff x="0" y="0"/>
+          <a:chExt cx="0" cy="0"/>
+        </a:xfrm>
+      </p:grpSpPr>
+      <p:sp>
+        <p:nvSpPr>
+          <p:cNvPr id="2" name="Folienbildplatzhalter 1"/>
+          <p:cNvSpPr>
+            <a:spLocks noGrp="1" noRot="1" noChangeAspect="1"/>
+          </p:cNvSpPr>
+          <p:nvPr>
+            <p:ph type="sldImg"/>
+          </p:nvPr>
+        </p:nvSpPr>
+        <p:spPr/>
+      </p:sp>
+      <p:sp>
+        <p:nvSpPr>
+          <p:cNvPr id="3" name="Notizenplatzhalter 2"/>
+          <p:cNvSpPr>
+            <a:spLocks noGrp="1"/>
+          </p:cNvSpPr>
+          <p:nvPr>
+            <p:ph type="body" idx="1"/>
+          </p:nvPr>
+        </p:nvSpPr>
+        <p:spPr/>
+        <p:txBody>
+          <a:bodyPr/>
+          <a:lstStyle/>
+          <a:p>
+            <a:r>
+              <a:rPr lang="de-AT" dirty="0"/>
+              <a:t>Was hab ich an der Datenbank angepasst (View und Trigger kurz erwähnen)</a:t>
+            </a:r>
+          </a:p>
+        </p:txBody>
+      </p:sp>
+      <p:sp>
+        <p:nvSpPr>
+          <p:cNvPr id="4" name="Foliennummernplatzhalter 3"/>
+          <p:cNvSpPr>
+            <a:spLocks noGrp="1"/>
+          </p:cNvSpPr>
+          <p:nvPr>
+            <p:ph type="sldNum" sz="quarter" idx="5"/>
+          </p:nvPr>
+        </p:nvSpPr>
+        <p:spPr/>
+        <p:txBody>
+          <a:bodyPr/>
+          <a:lstStyle/>
+          <a:p>
+            <a:fld id="{0322D104-B052-4D32-9B98-535F2339CBA4}" type="slidenum">
+              <a:rPr lang="de-AT" smtClean="0"/>
+              <a:t>8</a:t>
+            </a:fld>
+            <a:endParaRPr lang="de-AT"/>
+          </a:p>
+        </p:txBody>
+      </p:sp>
+    </p:spTree>
+    <p:extLst>
+      <p:ext uri="{BB962C8B-B14F-4D97-AF65-F5344CB8AC3E}">
+        <p14:creationId xmlns:p14="http://schemas.microsoft.com/office/powerpoint/2010/main" val="998435245"/>
+      </p:ext>
+    </p:extLst>
+  </p:cSld>
+  <p:clrMapOvr>
+    <a:masterClrMapping/>
+  </p:clrMapOvr>
+</p:notes>
+</file>
+
+<file path=ppt/notesSlides/notesSlide9.xml><?xml version="1.0" encoding="utf-8"?>
+<p:notes xmlns:a="http://schemas.openxmlformats.org/drawingml/2006/main" xmlns:r="http://schemas.openxmlformats.org/officeDocument/2006/relationships" xmlns:p="http://schemas.openxmlformats.org/presentationml/2006/main">
+  <p:cSld>
+    <p:spTree>
+      <p:nvGrpSpPr>
+        <p:cNvPr id="1" name=""/>
+        <p:cNvGrpSpPr/>
+        <p:nvPr/>
+      </p:nvGrpSpPr>
+      <p:grpSpPr>
+        <a:xfrm>
+          <a:off x="0" y="0"/>
+          <a:ext cx="0" cy="0"/>
+          <a:chOff x="0" y="0"/>
+          <a:chExt cx="0" cy="0"/>
+        </a:xfrm>
+      </p:grpSpPr>
+      <p:sp>
+        <p:nvSpPr>
+          <p:cNvPr id="2" name="Folienbildplatzhalter 1"/>
+          <p:cNvSpPr>
+            <a:spLocks noGrp="1" noRot="1" noChangeAspect="1"/>
+          </p:cNvSpPr>
+          <p:nvPr>
+            <p:ph type="sldImg"/>
+          </p:nvPr>
+        </p:nvSpPr>
+        <p:spPr/>
+      </p:sp>
+      <p:sp>
+        <p:nvSpPr>
+          <p:cNvPr id="3" name="Notizenplatzhalter 2"/>
+          <p:cNvSpPr>
+            <a:spLocks noGrp="1"/>
+          </p:cNvSpPr>
+          <p:nvPr>
+            <p:ph type="body" idx="1"/>
+          </p:nvPr>
+        </p:nvSpPr>
+        <p:spPr/>
+        <p:txBody>
+          <a:bodyPr/>
+          <a:lstStyle/>
+          <a:p>
+            <a:r>
+              <a:rPr lang="de-AT" dirty="0"/>
+              <a:t>Hier das Programm herzeigen, Code eher zum erklären wann wie was ins Spiel kommt</a:t>
+            </a:r>
+          </a:p>
+        </p:txBody>
+      </p:sp>
+      <p:sp>
+        <p:nvSpPr>
+          <p:cNvPr id="4" name="Foliennummernplatzhalter 3"/>
+          <p:cNvSpPr>
+            <a:spLocks noGrp="1"/>
+          </p:cNvSpPr>
+          <p:nvPr>
+            <p:ph type="sldNum" sz="quarter" idx="5"/>
+          </p:nvPr>
+        </p:nvSpPr>
+        <p:spPr/>
+        <p:txBody>
+          <a:bodyPr/>
+          <a:lstStyle/>
+          <a:p>
+            <a:fld id="{0322D104-B052-4D32-9B98-535F2339CBA4}" type="slidenum">
+              <a:rPr lang="de-AT" smtClean="0"/>
+              <a:t>9</a:t>
+            </a:fld>
+            <a:endParaRPr lang="de-AT"/>
+          </a:p>
+        </p:txBody>
+      </p:sp>
+    </p:spTree>
+    <p:extLst>
+      <p:ext uri="{BB962C8B-B14F-4D97-AF65-F5344CB8AC3E}">
+        <p14:creationId xmlns:p14="http://schemas.microsoft.com/office/powerpoint/2010/main" val="1100452855"/>
+      </p:ext>
+    </p:extLst>
+  </p:cSld>
+  <p:clrMapOvr>
+    <a:masterClrMapping/>
+  </p:clrMapOvr>
+</p:notes>
+</file>
+
 <file path=ppt/slideLayouts/slideLayout1.xml><?xml version="1.0" encoding="utf-8"?>
 <p:sldLayout xmlns:a="http://schemas.openxmlformats.org/drawingml/2006/main" xmlns:r="http://schemas.openxmlformats.org/officeDocument/2006/relationships" xmlns:p="http://schemas.openxmlformats.org/presentationml/2006/main" type="title" preserve="1">
   <p:cSld name="Titelfolie">
@@ -666,7 +1798,7 @@
           <a:p>
             <a:fld id="{CD03947B-BE80-4FE5-9F23-2AC39497EF7E}" type="datetime1">
               <a:rPr lang="de-AT" smtClean="0"/>
-              <a:t>02.08.2021</a:t>
+              <a:t>03.08.2021</a:t>
             </a:fld>
             <a:endParaRPr lang="de-AT"/>
           </a:p>
@@ -869,7 +2001,7 @@
           <a:p>
             <a:fld id="{F6BDC3EC-873B-4B88-AD5D-FB0A3928A31E}" type="datetime1">
               <a:rPr lang="de-AT" smtClean="0"/>
-              <a:t>02.08.2021</a:t>
+              <a:t>03.08.2021</a:t>
             </a:fld>
             <a:endParaRPr lang="de-AT"/>
           </a:p>
@@ -1082,7 +2214,7 @@
           <a:p>
             <a:fld id="{2F25B21B-6956-46F9-A838-03D762DA3603}" type="datetime1">
               <a:rPr lang="de-AT" smtClean="0"/>
-              <a:t>02.08.2021</a:t>
+              <a:t>03.08.2021</a:t>
             </a:fld>
             <a:endParaRPr lang="de-AT"/>
           </a:p>
@@ -1285,7 +2417,7 @@
           <a:p>
             <a:fld id="{8FE86A2B-3799-4633-9D06-F0FB0F4A6202}" type="datetime1">
               <a:rPr lang="de-AT" smtClean="0"/>
-              <a:t>02.08.2021</a:t>
+              <a:t>03.08.2021</a:t>
             </a:fld>
             <a:endParaRPr lang="de-AT"/>
           </a:p>
@@ -1564,7 +2696,7 @@
           <a:p>
             <a:fld id="{2F9EC97A-6AFE-4649-AB31-F367C0A33542}" type="datetime1">
               <a:rPr lang="de-AT" smtClean="0"/>
-              <a:t>02.08.2021</a:t>
+              <a:t>03.08.2021</a:t>
             </a:fld>
             <a:endParaRPr lang="de-AT"/>
           </a:p>
@@ -1835,7 +2967,7 @@
           <a:p>
             <a:fld id="{950FEAEC-5B0B-48A5-93B6-01947303909E}" type="datetime1">
               <a:rPr lang="de-AT" smtClean="0"/>
-              <a:t>02.08.2021</a:t>
+              <a:t>03.08.2021</a:t>
             </a:fld>
             <a:endParaRPr lang="de-AT"/>
           </a:p>
@@ -2253,7 +3385,7 @@
           <a:p>
             <a:fld id="{6E155B98-AC6B-499E-86C4-168AC7D45E42}" type="datetime1">
               <a:rPr lang="de-AT" smtClean="0"/>
-              <a:t>02.08.2021</a:t>
+              <a:t>03.08.2021</a:t>
             </a:fld>
             <a:endParaRPr lang="de-AT"/>
           </a:p>
@@ -2398,7 +3530,7 @@
           <a:p>
             <a:fld id="{6C824F4B-0BAE-4F90-B087-09F1857F7355}" type="datetime1">
               <a:rPr lang="de-AT" smtClean="0"/>
-              <a:t>02.08.2021</a:t>
+              <a:t>03.08.2021</a:t>
             </a:fld>
             <a:endParaRPr lang="de-AT"/>
           </a:p>
@@ -2514,7 +3646,7 @@
           <a:p>
             <a:fld id="{963605D0-98A5-41CB-8280-18F60FB72275}" type="datetime1">
               <a:rPr lang="de-AT" smtClean="0"/>
-              <a:t>02.08.2021</a:t>
+              <a:t>03.08.2021</a:t>
             </a:fld>
             <a:endParaRPr lang="de-AT"/>
           </a:p>
@@ -2830,7 +3962,7 @@
           <a:p>
             <a:fld id="{09C573D9-44CE-4348-B59E-F1D273E5EAC1}" type="datetime1">
               <a:rPr lang="de-AT" smtClean="0"/>
-              <a:t>02.08.2021</a:t>
+              <a:t>03.08.2021</a:t>
             </a:fld>
             <a:endParaRPr lang="de-AT"/>
           </a:p>
@@ -3122,7 +4254,7 @@
           <a:p>
             <a:fld id="{68A26269-4503-4DEE-AB5C-0FA4EE78C1FA}" type="datetime1">
               <a:rPr lang="de-AT" smtClean="0"/>
-              <a:t>02.08.2021</a:t>
+              <a:t>03.08.2021</a:t>
             </a:fld>
             <a:endParaRPr lang="de-AT"/>
           </a:p>
@@ -3256,8 +4388,8 @@
         </p:blipFill>
         <p:spPr>
           <a:xfrm>
-            <a:off x="-1" y="11178"/>
-            <a:ext cx="12192001" cy="6858000"/>
+            <a:off x="-19873" y="0"/>
+            <a:ext cx="12211873" cy="6869178"/>
           </a:xfrm>
           <a:prstGeom prst="rect">
             <a:avLst/>
@@ -3412,7 +4544,7 @@
           <a:p>
             <a:fld id="{98A64BFF-E8C9-4511-83A0-AA61208B6D0E}" type="datetime1">
               <a:rPr lang="de-AT" smtClean="0"/>
-              <a:t>02.08.2021</a:t>
+              <a:t>03.08.2021</a:t>
             </a:fld>
             <a:endParaRPr lang="de-AT" dirty="0"/>
           </a:p>
@@ -3920,7 +5052,7 @@
           <a:p>
             <a:fld id="{9FC3FDE2-A03C-4C7C-A7F3-7649D642F7AF}" type="datetime1">
               <a:rPr lang="de-AT" smtClean="0"/>
-              <a:t>02.08.2021</a:t>
+              <a:t>03.08.2021</a:t>
             </a:fld>
             <a:endParaRPr lang="de-AT"/>
           </a:p>
@@ -4041,124 +5173,144 @@
           </a:p>
         </p:txBody>
       </p:sp>
+      <p:sp>
+        <p:nvSpPr>
+          <p:cNvPr id="4" name="Datumsplatzhalter 3">
+            <a:extLst>
+              <a:ext uri="{FF2B5EF4-FFF2-40B4-BE49-F238E27FC236}">
+                <a16:creationId xmlns:a16="http://schemas.microsoft.com/office/drawing/2014/main" id="{5E0370D1-EB74-460A-A48F-9F5BF2B80628}"/>
+              </a:ext>
+            </a:extLst>
+          </p:cNvPr>
+          <p:cNvSpPr>
+            <a:spLocks noGrp="1"/>
+          </p:cNvSpPr>
+          <p:nvPr>
+            <p:ph type="dt" sz="half" idx="10"/>
+          </p:nvPr>
+        </p:nvSpPr>
+        <p:spPr/>
+        <p:txBody>
+          <a:bodyPr/>
+          <a:lstStyle/>
+          <a:p>
+            <a:fld id="{8FE86A2B-3799-4633-9D06-F0FB0F4A6202}" type="datetime1">
+              <a:rPr lang="de-AT" smtClean="0"/>
+              <a:t>03.08.2021</a:t>
+            </a:fld>
+            <a:endParaRPr lang="de-AT"/>
+          </a:p>
+        </p:txBody>
+      </p:sp>
+      <p:sp>
+        <p:nvSpPr>
+          <p:cNvPr id="5" name="Fußzeilenplatzhalter 4">
+            <a:extLst>
+              <a:ext uri="{FF2B5EF4-FFF2-40B4-BE49-F238E27FC236}">
+                <a16:creationId xmlns:a16="http://schemas.microsoft.com/office/drawing/2014/main" id="{F8D521BA-F37C-4C50-AC88-E7DC170155CF}"/>
+              </a:ext>
+            </a:extLst>
+          </p:cNvPr>
+          <p:cNvSpPr>
+            <a:spLocks noGrp="1"/>
+          </p:cNvSpPr>
+          <p:nvPr>
+            <p:ph type="ftr" sz="quarter" idx="11"/>
+          </p:nvPr>
+        </p:nvSpPr>
+        <p:spPr/>
+        <p:txBody>
+          <a:bodyPr/>
+          <a:lstStyle/>
+          <a:p>
+            <a:r>
+              <a:rPr lang="de-AT"/>
+              <a:t>Praktikum Juli 2021</a:t>
+            </a:r>
+            <a:endParaRPr lang="de-AT" dirty="0"/>
+          </a:p>
+        </p:txBody>
+      </p:sp>
+      <p:sp>
+        <p:nvSpPr>
+          <p:cNvPr id="6" name="Foliennummernplatzhalter 5">
+            <a:extLst>
+              <a:ext uri="{FF2B5EF4-FFF2-40B4-BE49-F238E27FC236}">
+                <a16:creationId xmlns:a16="http://schemas.microsoft.com/office/drawing/2014/main" id="{5A9F3E0C-91BA-4FC3-A005-945200277927}"/>
+              </a:ext>
+            </a:extLst>
+          </p:cNvPr>
+          <p:cNvSpPr>
+            <a:spLocks noGrp="1"/>
+          </p:cNvSpPr>
+          <p:nvPr>
+            <p:ph type="sldNum" sz="quarter" idx="12"/>
+          </p:nvPr>
+        </p:nvSpPr>
+        <p:spPr/>
+        <p:txBody>
+          <a:bodyPr/>
+          <a:lstStyle/>
+          <a:p>
+            <a:fld id="{0108AC81-54E4-434D-8474-026E8B449A41}" type="slidenum">
+              <a:rPr lang="de-AT" smtClean="0"/>
+              <a:t>10</a:t>
+            </a:fld>
+            <a:endParaRPr lang="de-AT" dirty="0"/>
+          </a:p>
+        </p:txBody>
+      </p:sp>
       <p:pic>
         <p:nvPicPr>
-          <p:cNvPr id="8" name="Inhaltsplatzhalter 7">
-            <a:extLst>
-              <a:ext uri="{FF2B5EF4-FFF2-40B4-BE49-F238E27FC236}">
-                <a16:creationId xmlns:a16="http://schemas.microsoft.com/office/drawing/2014/main" id="{EA7AE910-1B94-4EC4-AB38-7F3D609B14C6}"/>
+          <p:cNvPr id="3" name="Grafik 2">
+            <a:extLst>
+              <a:ext uri="{FF2B5EF4-FFF2-40B4-BE49-F238E27FC236}">
+                <a16:creationId xmlns:a16="http://schemas.microsoft.com/office/drawing/2014/main" id="{5ACCF3DA-6BAE-4AC2-92EC-745150FE199D}"/>
               </a:ext>
             </a:extLst>
           </p:cNvPr>
           <p:cNvPicPr>
-            <a:picLocks noGrp="1" noChangeAspect="1"/>
+            <a:picLocks noChangeAspect="1"/>
           </p:cNvPicPr>
-          <p:nvPr>
-            <p:ph idx="1"/>
-          </p:nvPr>
+          <p:nvPr/>
         </p:nvPicPr>
         <p:blipFill>
-          <a:blip r:embed="rId2">
-            <a:extLst>
-              <a:ext uri="{28A0092B-C50C-407E-A947-70E740481C1C}">
-                <a14:useLocalDpi xmlns:a14="http://schemas.microsoft.com/office/drawing/2010/main" val="0"/>
-              </a:ext>
-            </a:extLst>
-          </a:blip>
+          <a:blip r:embed="rId3"/>
           <a:stretch>
             <a:fillRect/>
           </a:stretch>
         </p:blipFill>
         <p:spPr>
           <a:xfrm>
-            <a:off x="1377570" y="1369564"/>
-            <a:ext cx="9436859" cy="4718430"/>
+            <a:off x="1778624" y="1433864"/>
+            <a:ext cx="8432177" cy="4743099"/>
           </a:xfrm>
+          <a:prstGeom prst="rect">
+            <a:avLst/>
+          </a:prstGeom>
         </p:spPr>
       </p:pic>
       <p:sp>
         <p:nvSpPr>
-          <p:cNvPr id="4" name="Datumsplatzhalter 3">
-            <a:extLst>
-              <a:ext uri="{FF2B5EF4-FFF2-40B4-BE49-F238E27FC236}">
-                <a16:creationId xmlns:a16="http://schemas.microsoft.com/office/drawing/2014/main" id="{5E0370D1-EB74-460A-A48F-9F5BF2B80628}"/>
-              </a:ext>
-            </a:extLst>
-          </p:cNvPr>
-          <p:cNvSpPr>
-            <a:spLocks noGrp="1"/>
-          </p:cNvSpPr>
-          <p:nvPr>
-            <p:ph type="dt" sz="half" idx="10"/>
-          </p:nvPr>
-        </p:nvSpPr>
-        <p:spPr/>
-        <p:txBody>
-          <a:bodyPr/>
-          <a:lstStyle/>
-          <a:p>
-            <a:fld id="{8FE86A2B-3799-4633-9D06-F0FB0F4A6202}" type="datetime1">
-              <a:rPr lang="de-AT" smtClean="0"/>
-              <a:t>02.08.2021</a:t>
-            </a:fld>
-            <a:endParaRPr lang="de-AT"/>
-          </a:p>
-        </p:txBody>
-      </p:sp>
-      <p:sp>
-        <p:nvSpPr>
-          <p:cNvPr id="5" name="Fußzeilenplatzhalter 4">
-            <a:extLst>
-              <a:ext uri="{FF2B5EF4-FFF2-40B4-BE49-F238E27FC236}">
-                <a16:creationId xmlns:a16="http://schemas.microsoft.com/office/drawing/2014/main" id="{F8D521BA-F37C-4C50-AC88-E7DC170155CF}"/>
-              </a:ext>
-            </a:extLst>
-          </p:cNvPr>
-          <p:cNvSpPr>
-            <a:spLocks noGrp="1"/>
-          </p:cNvSpPr>
-          <p:nvPr>
-            <p:ph type="ftr" sz="quarter" idx="11"/>
-          </p:nvPr>
-        </p:nvSpPr>
-        <p:spPr/>
-        <p:txBody>
-          <a:bodyPr/>
-          <a:lstStyle/>
-          <a:p>
-            <a:r>
-              <a:rPr lang="de-AT"/>
-              <a:t>Praktikum Juli 2021</a:t>
-            </a:r>
-            <a:endParaRPr lang="de-AT" dirty="0"/>
-          </a:p>
-        </p:txBody>
-      </p:sp>
-      <p:sp>
-        <p:nvSpPr>
-          <p:cNvPr id="6" name="Foliennummernplatzhalter 5">
-            <a:extLst>
-              <a:ext uri="{FF2B5EF4-FFF2-40B4-BE49-F238E27FC236}">
-                <a16:creationId xmlns:a16="http://schemas.microsoft.com/office/drawing/2014/main" id="{5A9F3E0C-91BA-4FC3-A005-945200277927}"/>
-              </a:ext>
-            </a:extLst>
-          </p:cNvPr>
-          <p:cNvSpPr>
-            <a:spLocks noGrp="1"/>
-          </p:cNvSpPr>
-          <p:nvPr>
-            <p:ph type="sldNum" sz="quarter" idx="12"/>
-          </p:nvPr>
-        </p:nvSpPr>
-        <p:spPr/>
-        <p:txBody>
-          <a:bodyPr/>
-          <a:lstStyle/>
-          <a:p>
-            <a:fld id="{0108AC81-54E4-434D-8474-026E8B449A41}" type="slidenum">
-              <a:rPr lang="de-AT" smtClean="0"/>
-              <a:t>10</a:t>
-            </a:fld>
+          <p:cNvPr id="9" name="Inhaltsplatzhalter 8">
+            <a:extLst>
+              <a:ext uri="{FF2B5EF4-FFF2-40B4-BE49-F238E27FC236}">
+                <a16:creationId xmlns:a16="http://schemas.microsoft.com/office/drawing/2014/main" id="{F733DB30-6205-4370-B415-DCEAC1A9830B}"/>
+              </a:ext>
+            </a:extLst>
+          </p:cNvPr>
+          <p:cNvSpPr>
+            <a:spLocks noGrp="1"/>
+          </p:cNvSpPr>
+          <p:nvPr>
+            <p:ph idx="1"/>
+          </p:nvPr>
+        </p:nvSpPr>
+        <p:spPr/>
+        <p:txBody>
+          <a:bodyPr/>
+          <a:lstStyle/>
+          <a:p>
             <a:endParaRPr lang="de-AT" dirty="0"/>
           </a:p>
         </p:txBody>
@@ -4198,7 +5350,7 @@
           <p:cNvPr id="2" name="Titel 1">
             <a:extLst>
               <a:ext uri="{FF2B5EF4-FFF2-40B4-BE49-F238E27FC236}">
-                <a16:creationId xmlns:a16="http://schemas.microsoft.com/office/drawing/2014/main" id="{9099A68D-0813-4413-80C1-926DD876F81B}"/>
+                <a16:creationId xmlns:a16="http://schemas.microsoft.com/office/drawing/2014/main" id="{B2FBF124-5CA3-43EB-8E26-2F12121ABC10}"/>
               </a:ext>
             </a:extLst>
           </p:cNvPr>
@@ -4215,48 +5367,50 @@
           <a:lstStyle/>
           <a:p>
             <a:r>
-              <a:rPr lang="de-AT" dirty="0" err="1"/>
-              <a:t>Linkverzeichniss</a:t>
-            </a:r>
-            <a:endParaRPr lang="de-AT" dirty="0"/>
-          </a:p>
-        </p:txBody>
-      </p:sp>
-      <p:sp>
-        <p:nvSpPr>
-          <p:cNvPr id="3" name="Inhaltsplatzhalter 2">
-            <a:extLst>
-              <a:ext uri="{FF2B5EF4-FFF2-40B4-BE49-F238E27FC236}">
-                <a16:creationId xmlns:a16="http://schemas.microsoft.com/office/drawing/2014/main" id="{4CBEB533-7649-4D8E-AF78-DBB2944642FD}"/>
-              </a:ext>
-            </a:extLst>
-          </p:cNvPr>
-          <p:cNvSpPr>
-            <a:spLocks noGrp="1"/>
-          </p:cNvSpPr>
+              <a:rPr lang="de-AT" dirty="0"/>
+              <a:t>Feedback</a:t>
+            </a:r>
+          </a:p>
+        </p:txBody>
+      </p:sp>
+      <p:pic>
+        <p:nvPicPr>
+          <p:cNvPr id="7" name="Inhaltsplatzhalter 6">
+            <a:extLst>
+              <a:ext uri="{FF2B5EF4-FFF2-40B4-BE49-F238E27FC236}">
+                <a16:creationId xmlns:a16="http://schemas.microsoft.com/office/drawing/2014/main" id="{D20DB0DA-5318-4F44-9C75-EF93EE9335A4}"/>
+              </a:ext>
+            </a:extLst>
+          </p:cNvPr>
+          <p:cNvPicPr>
+            <a:picLocks noGrp="1" noChangeAspect="1"/>
+          </p:cNvPicPr>
           <p:nvPr>
             <p:ph idx="1"/>
           </p:nvPr>
-        </p:nvSpPr>
-        <p:spPr/>
-        <p:txBody>
-          <a:bodyPr/>
-          <a:lstStyle/>
-          <a:p>
-            <a:r>
-              <a:rPr lang="de-AT" dirty="0" err="1"/>
-              <a:t>Github</a:t>
-            </a:r>
-            <a:endParaRPr lang="de-AT" dirty="0"/>
-          </a:p>
-        </p:txBody>
-      </p:sp>
+        </p:nvPicPr>
+        <p:blipFill>
+          <a:blip r:embed="rId3"/>
+          <a:stretch>
+            <a:fillRect/>
+          </a:stretch>
+        </p:blipFill>
+        <p:spPr>
+          <a:xfrm>
+            <a:off x="838200" y="1690688"/>
+            <a:ext cx="10148893" cy="4351338"/>
+          </a:xfrm>
+          <a:prstGeom prst="rect">
+            <a:avLst/>
+          </a:prstGeom>
+        </p:spPr>
+      </p:pic>
       <p:sp>
         <p:nvSpPr>
           <p:cNvPr id="4" name="Datumsplatzhalter 3">
             <a:extLst>
               <a:ext uri="{FF2B5EF4-FFF2-40B4-BE49-F238E27FC236}">
-                <a16:creationId xmlns:a16="http://schemas.microsoft.com/office/drawing/2014/main" id="{DAFBE504-9877-4752-99AF-1D3237A48566}"/>
+                <a16:creationId xmlns:a16="http://schemas.microsoft.com/office/drawing/2014/main" id="{12DF078D-129B-435E-819D-C20E324F5A1C}"/>
               </a:ext>
             </a:extLst>
           </p:cNvPr>
@@ -4274,7 +5428,7 @@
           <a:p>
             <a:fld id="{8FE86A2B-3799-4633-9D06-F0FB0F4A6202}" type="datetime1">
               <a:rPr lang="de-AT" smtClean="0"/>
-              <a:t>02.08.2021</a:t>
+              <a:t>03.08.2021</a:t>
             </a:fld>
             <a:endParaRPr lang="de-AT"/>
           </a:p>
@@ -4285,7 +5439,7 @@
           <p:cNvPr id="5" name="Fußzeilenplatzhalter 4">
             <a:extLst>
               <a:ext uri="{FF2B5EF4-FFF2-40B4-BE49-F238E27FC236}">
-                <a16:creationId xmlns:a16="http://schemas.microsoft.com/office/drawing/2014/main" id="{885601D8-DC82-478B-AEDE-42855F4C9019}"/>
+                <a16:creationId xmlns:a16="http://schemas.microsoft.com/office/drawing/2014/main" id="{D8837E04-6090-440B-A3E5-22C4708FF973}"/>
               </a:ext>
             </a:extLst>
           </p:cNvPr>
@@ -4314,7 +5468,7 @@
           <p:cNvPr id="6" name="Foliennummernplatzhalter 5">
             <a:extLst>
               <a:ext uri="{FF2B5EF4-FFF2-40B4-BE49-F238E27FC236}">
-                <a16:creationId xmlns:a16="http://schemas.microsoft.com/office/drawing/2014/main" id="{A6697DB2-96DC-4F66-A5DE-9FFC234979B9}"/>
+                <a16:creationId xmlns:a16="http://schemas.microsoft.com/office/drawing/2014/main" id="{90B13361-3B8E-405C-BD49-2340D40D9624}"/>
               </a:ext>
             </a:extLst>
           </p:cNvPr>
@@ -4333,6 +5487,327 @@
             <a:fld id="{0108AC81-54E4-434D-8474-026E8B449A41}" type="slidenum">
               <a:rPr lang="de-AT" smtClean="0"/>
               <a:t>11</a:t>
+            </a:fld>
+            <a:endParaRPr lang="de-AT" dirty="0"/>
+          </a:p>
+        </p:txBody>
+      </p:sp>
+    </p:spTree>
+    <p:extLst>
+      <p:ext uri="{BB962C8B-B14F-4D97-AF65-F5344CB8AC3E}">
+        <p14:creationId xmlns:p14="http://schemas.microsoft.com/office/powerpoint/2010/main" val="960810011"/>
+      </p:ext>
+    </p:extLst>
+  </p:cSld>
+  <p:clrMapOvr>
+    <a:masterClrMapping/>
+  </p:clrMapOvr>
+</p:sld>
+</file>
+
+<file path=ppt/slides/slide12.xml><?xml version="1.0" encoding="utf-8"?>
+<p:sld xmlns:a="http://schemas.openxmlformats.org/drawingml/2006/main" xmlns:r="http://schemas.openxmlformats.org/officeDocument/2006/relationships" xmlns:p="http://schemas.openxmlformats.org/presentationml/2006/main">
+  <p:cSld>
+    <p:spTree>
+      <p:nvGrpSpPr>
+        <p:cNvPr id="1" name=""/>
+        <p:cNvGrpSpPr/>
+        <p:nvPr/>
+      </p:nvGrpSpPr>
+      <p:grpSpPr>
+        <a:xfrm>
+          <a:off x="0" y="0"/>
+          <a:ext cx="0" cy="0"/>
+          <a:chOff x="0" y="0"/>
+          <a:chExt cx="0" cy="0"/>
+        </a:xfrm>
+      </p:grpSpPr>
+      <p:sp>
+        <p:nvSpPr>
+          <p:cNvPr id="2" name="Titel 1">
+            <a:extLst>
+              <a:ext uri="{FF2B5EF4-FFF2-40B4-BE49-F238E27FC236}">
+                <a16:creationId xmlns:a16="http://schemas.microsoft.com/office/drawing/2014/main" id="{9099A68D-0813-4413-80C1-926DD876F81B}"/>
+              </a:ext>
+            </a:extLst>
+          </p:cNvPr>
+          <p:cNvSpPr>
+            <a:spLocks noGrp="1"/>
+          </p:cNvSpPr>
+          <p:nvPr>
+            <p:ph type="title"/>
+          </p:nvPr>
+        </p:nvSpPr>
+        <p:spPr/>
+        <p:txBody>
+          <a:bodyPr/>
+          <a:lstStyle/>
+          <a:p>
+            <a:r>
+              <a:rPr lang="de-AT" dirty="0" err="1"/>
+              <a:t>Linkverzeichniss</a:t>
+            </a:r>
+            <a:endParaRPr lang="de-AT" dirty="0"/>
+          </a:p>
+        </p:txBody>
+      </p:sp>
+      <p:sp>
+        <p:nvSpPr>
+          <p:cNvPr id="3" name="Inhaltsplatzhalter 2">
+            <a:extLst>
+              <a:ext uri="{FF2B5EF4-FFF2-40B4-BE49-F238E27FC236}">
+                <a16:creationId xmlns:a16="http://schemas.microsoft.com/office/drawing/2014/main" id="{4CBEB533-7649-4D8E-AF78-DBB2944642FD}"/>
+              </a:ext>
+            </a:extLst>
+          </p:cNvPr>
+          <p:cNvSpPr>
+            <a:spLocks noGrp="1"/>
+          </p:cNvSpPr>
+          <p:nvPr>
+            <p:ph idx="1"/>
+          </p:nvPr>
+        </p:nvSpPr>
+        <p:spPr/>
+        <p:txBody>
+          <a:bodyPr>
+            <a:normAutofit/>
+          </a:bodyPr>
+          <a:lstStyle/>
+          <a:p>
+            <a:pPr>
+              <a:buClr>
+                <a:schemeClr val="bg1"/>
+              </a:buClr>
+              <a:buFont typeface="Calibri" panose="020F0502020204030204" pitchFamily="34" charset="0"/>
+              <a:buChar char="•"/>
+            </a:pPr>
+            <a:r>
+              <a:rPr lang="de-AT" dirty="0"/>
+              <a:t>Programm und Dateien </a:t>
+            </a:r>
+          </a:p>
+          <a:p>
+            <a:pPr lvl="1">
+              <a:buClr>
+                <a:schemeClr val="bg1"/>
+              </a:buClr>
+              <a:buFont typeface="Calibri" panose="020F0502020204030204" pitchFamily="34" charset="0"/>
+              <a:buChar char="•"/>
+            </a:pPr>
+            <a:r>
+              <a:rPr lang="de-AT" dirty="0">
+                <a:solidFill>
+                  <a:srgbClr val="FF0000"/>
+                </a:solidFill>
+                <a:hlinkClick r:id="rId3">
+                  <a:extLst>
+                    <a:ext uri="{A12FA001-AC4F-418D-AE19-62706E023703}">
+                      <ahyp:hlinkClr xmlns:ahyp="http://schemas.microsoft.com/office/drawing/2018/hyperlinkcolor" val="tx"/>
+                    </a:ext>
+                  </a:extLst>
+                </a:hlinkClick>
+              </a:rPr>
+              <a:t>https://github.com/FragLea/desktop-tutorial</a:t>
+            </a:r>
+            <a:endParaRPr lang="de-AT" dirty="0">
+              <a:solidFill>
+                <a:srgbClr val="FF0000"/>
+              </a:solidFill>
+            </a:endParaRPr>
+          </a:p>
+          <a:p>
+            <a:pPr>
+              <a:buClr>
+                <a:schemeClr val="bg1"/>
+              </a:buClr>
+              <a:buFont typeface="Calibri" panose="020F0502020204030204" pitchFamily="34" charset="0"/>
+              <a:buChar char="•"/>
+            </a:pPr>
+            <a:r>
+              <a:rPr lang="de-AT" dirty="0"/>
+              <a:t>Verwendete Icons</a:t>
+            </a:r>
+          </a:p>
+          <a:p>
+            <a:pPr lvl="1">
+              <a:buClr>
+                <a:schemeClr val="bg1"/>
+              </a:buClr>
+              <a:buFont typeface="Calibri" panose="020F0502020204030204" pitchFamily="34" charset="0"/>
+              <a:buChar char="•"/>
+            </a:pPr>
+            <a:r>
+              <a:rPr lang="de-AT" dirty="0">
+                <a:hlinkClick r:id="rId4"/>
+              </a:rPr>
+              <a:t>https://icons8.com/icons</a:t>
+            </a:r>
+            <a:endParaRPr lang="de-AT" dirty="0"/>
+          </a:p>
+          <a:p>
+            <a:pPr>
+              <a:buClr>
+                <a:schemeClr val="bg1"/>
+              </a:buClr>
+              <a:buFont typeface="Calibri" panose="020F0502020204030204" pitchFamily="34" charset="0"/>
+              <a:buChar char="•"/>
+            </a:pPr>
+            <a:r>
+              <a:rPr lang="de-AT" dirty="0"/>
+              <a:t>(Häufig)Verwendete Tutorials</a:t>
+            </a:r>
+          </a:p>
+          <a:p>
+            <a:pPr lvl="1">
+              <a:buClr>
+                <a:schemeClr val="bg1"/>
+              </a:buClr>
+              <a:buFont typeface="Calibri" panose="020F0502020204030204" pitchFamily="34" charset="0"/>
+              <a:buChar char="•"/>
+            </a:pPr>
+            <a:r>
+              <a:rPr lang="de-AT" dirty="0">
+                <a:hlinkClick r:id="rId5"/>
+              </a:rPr>
+              <a:t>https://wpf-tutorial.com/</a:t>
+            </a:r>
+            <a:endParaRPr lang="de-AT" dirty="0"/>
+          </a:p>
+          <a:p>
+            <a:pPr lvl="1">
+              <a:buClr>
+                <a:schemeClr val="bg1"/>
+              </a:buClr>
+              <a:buFont typeface="Calibri" panose="020F0502020204030204" pitchFamily="34" charset="0"/>
+              <a:buChar char="•"/>
+            </a:pPr>
+            <a:r>
+              <a:rPr lang="de-AT" dirty="0">
+                <a:solidFill>
+                  <a:srgbClr val="0070C0"/>
+                </a:solidFill>
+                <a:hlinkClick r:id="rId6">
+                  <a:extLst>
+                    <a:ext uri="{A12FA001-AC4F-418D-AE19-62706E023703}">
+                      <ahyp:hlinkClr xmlns:ahyp="http://schemas.microsoft.com/office/drawing/2018/hyperlinkcolor" val="tx"/>
+                    </a:ext>
+                  </a:extLst>
+                </a:hlinkClick>
+              </a:rPr>
+              <a:t>https://www.codeproject.com/Articles/18270/A-Guided-Tour-of-WPF-Part-3-Data-binding</a:t>
+            </a:r>
+            <a:endParaRPr lang="de-AT" dirty="0">
+              <a:hlinkClick r:id="rId7"/>
+            </a:endParaRPr>
+          </a:p>
+          <a:p>
+            <a:pPr lvl="1">
+              <a:buClr>
+                <a:schemeClr val="bg1"/>
+              </a:buClr>
+              <a:buFont typeface="Calibri" panose="020F0502020204030204" pitchFamily="34" charset="0"/>
+              <a:buChar char="•"/>
+            </a:pPr>
+            <a:r>
+              <a:rPr lang="de-AT" dirty="0">
+                <a:hlinkClick r:id="rId7"/>
+              </a:rPr>
+              <a:t>https://www.codeproject.com/Articles/26210/Moving-Toward-WPF-Data-Binding-One-Step-at-a-Time</a:t>
+            </a:r>
+            <a:endParaRPr lang="de-AT" dirty="0"/>
+          </a:p>
+          <a:p>
+            <a:pPr lvl="1"/>
+            <a:endParaRPr lang="de-AT" dirty="0"/>
+          </a:p>
+          <a:p>
+            <a:pPr lvl="1"/>
+            <a:endParaRPr lang="de-AT" dirty="0"/>
+          </a:p>
+        </p:txBody>
+      </p:sp>
+      <p:sp>
+        <p:nvSpPr>
+          <p:cNvPr id="4" name="Datumsplatzhalter 3">
+            <a:extLst>
+              <a:ext uri="{FF2B5EF4-FFF2-40B4-BE49-F238E27FC236}">
+                <a16:creationId xmlns:a16="http://schemas.microsoft.com/office/drawing/2014/main" id="{DAFBE504-9877-4752-99AF-1D3237A48566}"/>
+              </a:ext>
+            </a:extLst>
+          </p:cNvPr>
+          <p:cNvSpPr>
+            <a:spLocks noGrp="1"/>
+          </p:cNvSpPr>
+          <p:nvPr>
+            <p:ph type="dt" sz="half" idx="10"/>
+          </p:nvPr>
+        </p:nvSpPr>
+        <p:spPr/>
+        <p:txBody>
+          <a:bodyPr/>
+          <a:lstStyle/>
+          <a:p>
+            <a:fld id="{8FE86A2B-3799-4633-9D06-F0FB0F4A6202}" type="datetime1">
+              <a:rPr lang="de-AT" smtClean="0"/>
+              <a:t>03.08.2021</a:t>
+            </a:fld>
+            <a:endParaRPr lang="de-AT"/>
+          </a:p>
+        </p:txBody>
+      </p:sp>
+      <p:sp>
+        <p:nvSpPr>
+          <p:cNvPr id="5" name="Fußzeilenplatzhalter 4">
+            <a:extLst>
+              <a:ext uri="{FF2B5EF4-FFF2-40B4-BE49-F238E27FC236}">
+                <a16:creationId xmlns:a16="http://schemas.microsoft.com/office/drawing/2014/main" id="{885601D8-DC82-478B-AEDE-42855F4C9019}"/>
+              </a:ext>
+            </a:extLst>
+          </p:cNvPr>
+          <p:cNvSpPr>
+            <a:spLocks noGrp="1"/>
+          </p:cNvSpPr>
+          <p:nvPr>
+            <p:ph type="ftr" sz="quarter" idx="11"/>
+          </p:nvPr>
+        </p:nvSpPr>
+        <p:spPr/>
+        <p:txBody>
+          <a:bodyPr/>
+          <a:lstStyle/>
+          <a:p>
+            <a:r>
+              <a:rPr lang="de-AT"/>
+              <a:t>Praktikum Juli 2021</a:t>
+            </a:r>
+            <a:endParaRPr lang="de-AT" dirty="0"/>
+          </a:p>
+        </p:txBody>
+      </p:sp>
+      <p:sp>
+        <p:nvSpPr>
+          <p:cNvPr id="6" name="Foliennummernplatzhalter 5">
+            <a:extLst>
+              <a:ext uri="{FF2B5EF4-FFF2-40B4-BE49-F238E27FC236}">
+                <a16:creationId xmlns:a16="http://schemas.microsoft.com/office/drawing/2014/main" id="{A6697DB2-96DC-4F66-A5DE-9FFC234979B9}"/>
+              </a:ext>
+            </a:extLst>
+          </p:cNvPr>
+          <p:cNvSpPr>
+            <a:spLocks noGrp="1"/>
+          </p:cNvSpPr>
+          <p:nvPr>
+            <p:ph type="sldNum" sz="quarter" idx="12"/>
+          </p:nvPr>
+        </p:nvSpPr>
+        <p:spPr/>
+        <p:txBody>
+          <a:bodyPr/>
+          <a:lstStyle/>
+          <a:p>
+            <a:fld id="{0108AC81-54E4-434D-8474-026E8B449A41}" type="slidenum">
+              <a:rPr lang="de-AT" smtClean="0"/>
+              <a:t>12</a:t>
             </a:fld>
             <a:endParaRPr lang="de-AT" dirty="0"/>
           </a:p>
@@ -4517,7 +5992,7 @@
           <a:p>
             <a:fld id="{5833EF27-C054-450D-B2B7-58A8A7EAE098}" type="datetime1">
               <a:rPr lang="de-AT" smtClean="0"/>
-              <a:t>02.08.2021</a:t>
+              <a:t>03.08.2021</a:t>
             </a:fld>
             <a:endParaRPr lang="de-AT"/>
           </a:p>
@@ -4756,7 +6231,7 @@
           <p:nvPr/>
         </p:nvPicPr>
         <p:blipFill>
-          <a:blip r:embed="rId2"/>
+          <a:blip r:embed="rId3"/>
           <a:stretch>
             <a:fillRect/>
           </a:stretch>
@@ -4786,7 +6261,7 @@
           <p:nvPr/>
         </p:nvPicPr>
         <p:blipFill>
-          <a:blip r:embed="rId3"/>
+          <a:blip r:embed="rId4"/>
           <a:stretch>
             <a:fillRect/>
           </a:stretch>
@@ -4824,7 +6299,7 @@
           <a:p>
             <a:fld id="{F520A3B3-8C01-4661-AC88-30A7D8BEDFEA}" type="datetime1">
               <a:rPr lang="de-AT" smtClean="0"/>
-              <a:t>02.08.2021</a:t>
+              <a:t>03.08.2021</a:t>
             </a:fld>
             <a:endParaRPr lang="de-AT"/>
           </a:p>
@@ -5070,7 +6545,7 @@
           <p:nvPr/>
         </p:nvPicPr>
         <p:blipFill>
-          <a:blip r:embed="rId2"/>
+          <a:blip r:embed="rId3"/>
           <a:stretch>
             <a:fillRect/>
           </a:stretch>
@@ -5614,7 +7089,7 @@
           <a:p>
             <a:fld id="{E1E1573D-43AD-4D7C-B222-F884FA102E2C}" type="datetime1">
               <a:rPr lang="de-AT" smtClean="0"/>
-              <a:t>02.08.2021</a:t>
+              <a:t>03.08.2021</a:t>
             </a:fld>
             <a:endParaRPr lang="de-AT"/>
           </a:p>
@@ -5864,7 +7339,7 @@
           <a:p>
             <a:fld id="{94DF8E8A-337A-4C5B-94C5-506E764B78C8}" type="datetime1">
               <a:rPr lang="de-AT" smtClean="0"/>
-              <a:t>02.08.2021</a:t>
+              <a:t>03.08.2021</a:t>
             </a:fld>
             <a:endParaRPr lang="de-AT"/>
           </a:p>
@@ -6089,7 +7564,7 @@
           <p:nvPr/>
         </p:nvPicPr>
         <p:blipFill>
-          <a:blip r:embed="rId2">
+          <a:blip r:embed="rId3">
             <a:extLst>
               <a:ext uri="{28A0092B-C50C-407E-A947-70E740481C1C}">
                 <a14:useLocalDpi xmlns:a14="http://schemas.microsoft.com/office/drawing/2010/main" val="0"/>
@@ -6125,7 +7600,7 @@
           <p:nvPr/>
         </p:nvPicPr>
         <p:blipFill>
-          <a:blip r:embed="rId3">
+          <a:blip r:embed="rId4">
             <a:extLst>
               <a:ext uri="{28A0092B-C50C-407E-A947-70E740481C1C}">
                 <a14:useLocalDpi xmlns:a14="http://schemas.microsoft.com/office/drawing/2010/main" val="0"/>
@@ -6161,7 +7636,7 @@
           <p:nvPr/>
         </p:nvPicPr>
         <p:blipFill>
-          <a:blip r:embed="rId4">
+          <a:blip r:embed="rId5">
             <a:extLst>
               <a:ext uri="{28A0092B-C50C-407E-A947-70E740481C1C}">
                 <a14:useLocalDpi xmlns:a14="http://schemas.microsoft.com/office/drawing/2010/main" val="0"/>
@@ -6197,7 +7672,7 @@
           <p:nvPr/>
         </p:nvPicPr>
         <p:blipFill>
-          <a:blip r:embed="rId5"/>
+          <a:blip r:embed="rId6"/>
           <a:stretch>
             <a:fillRect/>
           </a:stretch>
@@ -6235,7 +7710,7 @@
           <a:p>
             <a:fld id="{BB35CF18-1D8D-43B9-AFFE-2606703C2576}" type="datetime1">
               <a:rPr lang="de-AT" smtClean="0"/>
-              <a:t>02.08.2021</a:t>
+              <a:t>03.08.2021</a:t>
             </a:fld>
             <a:endParaRPr lang="de-AT"/>
           </a:p>
@@ -6405,7 +7880,7 @@
           <p:nvPr/>
         </p:nvPicPr>
         <p:blipFill>
-          <a:blip r:embed="rId2"/>
+          <a:blip r:embed="rId3"/>
           <a:stretch>
             <a:fillRect/>
           </a:stretch>
@@ -6435,7 +7910,7 @@
           <p:nvPr/>
         </p:nvPicPr>
         <p:blipFill>
-          <a:blip r:embed="rId3"/>
+          <a:blip r:embed="rId4"/>
           <a:stretch>
             <a:fillRect/>
           </a:stretch>
@@ -6518,7 +7993,7 @@
           <a:p>
             <a:fld id="{C4DE8210-7DD3-4029-8678-5507DAB9102C}" type="datetime1">
               <a:rPr lang="de-AT" smtClean="0"/>
-              <a:t>02.08.2021</a:t>
+              <a:t>03.08.2021</a:t>
             </a:fld>
             <a:endParaRPr lang="de-AT"/>
           </a:p>
@@ -6665,7 +8140,7 @@
           </p:nvPr>
         </p:nvPicPr>
         <p:blipFill>
-          <a:blip r:embed="rId2"/>
+          <a:blip r:embed="rId3"/>
           <a:stretch>
             <a:fillRect/>
           </a:stretch>
@@ -6692,7 +8167,7 @@
           <p:nvPr/>
         </p:nvPicPr>
         <p:blipFill>
-          <a:blip r:embed="rId3"/>
+          <a:blip r:embed="rId4"/>
           <a:stretch>
             <a:fillRect/>
           </a:stretch>
@@ -6722,7 +8197,7 @@
           <p:nvPr/>
         </p:nvPicPr>
         <p:blipFill>
-          <a:blip r:embed="rId4"/>
+          <a:blip r:embed="rId5"/>
           <a:stretch>
             <a:fillRect/>
           </a:stretch>
@@ -6760,7 +8235,7 @@
           <a:p>
             <a:fld id="{11ECFA47-7A43-4CA5-8089-8AACEF26F0B4}" type="datetime1">
               <a:rPr lang="de-AT" smtClean="0"/>
-              <a:t>02.08.2021</a:t>
+              <a:t>03.08.2021</a:t>
             </a:fld>
             <a:endParaRPr lang="de-AT" dirty="0"/>
           </a:p>
@@ -6835,7 +8310,7 @@
           <p:nvPr/>
         </p:nvPicPr>
         <p:blipFill>
-          <a:blip r:embed="rId5"/>
+          <a:blip r:embed="rId6"/>
           <a:stretch>
             <a:fillRect/>
           </a:stretch>
@@ -6903,48 +8378,11 @@
           <a:p>
             <a:r>
               <a:rPr lang="de-AT" dirty="0"/>
-              <a:t>Projekt: </a:t>
-            </a:r>
-            <a:r>
-              <a:rPr lang="de-AT" dirty="0" err="1"/>
-              <a:t>Program</a:t>
-            </a:r>
-            <a:r>
-              <a:rPr lang="de-AT" dirty="0"/>
-              <a:t> Showcase</a:t>
-            </a:r>
-          </a:p>
-        </p:txBody>
-      </p:sp>
-      <p:pic>
-        <p:nvPicPr>
-          <p:cNvPr id="7" name="Inhaltsplatzhalter 6">
-            <a:extLst>
-              <a:ext uri="{FF2B5EF4-FFF2-40B4-BE49-F238E27FC236}">
-                <a16:creationId xmlns:a16="http://schemas.microsoft.com/office/drawing/2014/main" id="{182026FE-1170-491A-8B72-FE69905769E0}"/>
-              </a:ext>
-            </a:extLst>
-          </p:cNvPr>
-          <p:cNvPicPr>
-            <a:picLocks noGrp="1" noChangeAspect="1"/>
-          </p:cNvPicPr>
-          <p:nvPr>
-            <p:ph idx="1"/>
-          </p:nvPr>
-        </p:nvPicPr>
-        <p:blipFill>
-          <a:blip r:embed="rId2"/>
-          <a:stretch>
-            <a:fillRect/>
-          </a:stretch>
-        </p:blipFill>
-        <p:spPr>
-          <a:xfrm>
-            <a:off x="3181350" y="1559934"/>
-            <a:ext cx="2099066" cy="5315506"/>
-          </a:xfrm>
-        </p:spPr>
-      </p:pic>
+              <a:t>Projekt: Programm Showcase</a:t>
+            </a:r>
+          </a:p>
+        </p:txBody>
+      </p:sp>
       <p:pic>
         <p:nvPicPr>
           <p:cNvPr id="5" name="Grafik 4">
@@ -6975,12 +8413,95 @@
           </a:prstGeom>
         </p:spPr>
       </p:pic>
+      <p:sp>
+        <p:nvSpPr>
+          <p:cNvPr id="12" name="Datumsplatzhalter 11">
+            <a:extLst>
+              <a:ext uri="{FF2B5EF4-FFF2-40B4-BE49-F238E27FC236}">
+                <a16:creationId xmlns:a16="http://schemas.microsoft.com/office/drawing/2014/main" id="{77DB9134-6895-43A5-A5B0-D398D89DA93E}"/>
+              </a:ext>
+            </a:extLst>
+          </p:cNvPr>
+          <p:cNvSpPr>
+            <a:spLocks noGrp="1"/>
+          </p:cNvSpPr>
+          <p:nvPr>
+            <p:ph type="dt" sz="half" idx="10"/>
+          </p:nvPr>
+        </p:nvSpPr>
+        <p:spPr/>
+        <p:txBody>
+          <a:bodyPr/>
+          <a:lstStyle/>
+          <a:p>
+            <a:fld id="{0F1B9CE8-22FE-489D-8146-86D4CCCEF860}" type="datetime1">
+              <a:rPr lang="de-AT" smtClean="0"/>
+              <a:t>03.08.2021</a:t>
+            </a:fld>
+            <a:endParaRPr lang="de-AT" dirty="0"/>
+          </a:p>
+        </p:txBody>
+      </p:sp>
+      <p:sp>
+        <p:nvSpPr>
+          <p:cNvPr id="13" name="Fußzeilenplatzhalter 12">
+            <a:extLst>
+              <a:ext uri="{FF2B5EF4-FFF2-40B4-BE49-F238E27FC236}">
+                <a16:creationId xmlns:a16="http://schemas.microsoft.com/office/drawing/2014/main" id="{0FC75E1E-EC0F-41E9-BBFF-3794DB5A18D4}"/>
+              </a:ext>
+            </a:extLst>
+          </p:cNvPr>
+          <p:cNvSpPr>
+            <a:spLocks noGrp="1"/>
+          </p:cNvSpPr>
+          <p:nvPr>
+            <p:ph type="ftr" sz="quarter" idx="11"/>
+          </p:nvPr>
+        </p:nvSpPr>
+        <p:spPr/>
+        <p:txBody>
+          <a:bodyPr/>
+          <a:lstStyle/>
+          <a:p>
+            <a:endParaRPr lang="de-AT" dirty="0"/>
+          </a:p>
+        </p:txBody>
+      </p:sp>
+      <p:sp>
+        <p:nvSpPr>
+          <p:cNvPr id="14" name="Foliennummernplatzhalter 13">
+            <a:extLst>
+              <a:ext uri="{FF2B5EF4-FFF2-40B4-BE49-F238E27FC236}">
+                <a16:creationId xmlns:a16="http://schemas.microsoft.com/office/drawing/2014/main" id="{5A3276F9-5B1F-48A3-AC7D-32BF6E91D4C4}"/>
+              </a:ext>
+            </a:extLst>
+          </p:cNvPr>
+          <p:cNvSpPr>
+            <a:spLocks noGrp="1"/>
+          </p:cNvSpPr>
+          <p:nvPr>
+            <p:ph type="sldNum" sz="quarter" idx="12"/>
+          </p:nvPr>
+        </p:nvSpPr>
+        <p:spPr/>
+        <p:txBody>
+          <a:bodyPr/>
+          <a:lstStyle/>
+          <a:p>
+            <a:fld id="{0108AC81-54E4-434D-8474-026E8B449A41}" type="slidenum">
+              <a:rPr lang="de-AT" smtClean="0"/>
+              <a:t>9</a:t>
+            </a:fld>
+            <a:endParaRPr lang="de-AT" dirty="0"/>
+          </a:p>
+        </p:txBody>
+      </p:sp>
       <p:pic>
         <p:nvPicPr>
-          <p:cNvPr id="11" name="Grafik 10">
-            <a:extLst>
-              <a:ext uri="{FF2B5EF4-FFF2-40B4-BE49-F238E27FC236}">
-                <a16:creationId xmlns:a16="http://schemas.microsoft.com/office/drawing/2014/main" id="{72B8C48B-8DC7-403B-9FA0-542B4E16B3AF}"/>
+          <p:cNvPr id="16" name="Grafik 15">
+            <a:extLst>
+              <a:ext uri="{FF2B5EF4-FFF2-40B4-BE49-F238E27FC236}">
+                <a16:creationId xmlns:a16="http://schemas.microsoft.com/office/drawing/2014/main" id="{054910DF-6073-43BE-81F1-B77A30AF7EA2}"/>
               </a:ext>
             </a:extLst>
           </p:cNvPr>
@@ -6991,6 +8512,36 @@
         </p:nvPicPr>
         <p:blipFill>
           <a:blip r:embed="rId4"/>
+          <a:stretch>
+            <a:fillRect/>
+          </a:stretch>
+        </p:blipFill>
+        <p:spPr>
+          <a:xfrm>
+            <a:off x="1001840" y="3115616"/>
+            <a:ext cx="2179509" cy="3337849"/>
+          </a:xfrm>
+          <a:prstGeom prst="rect">
+            <a:avLst/>
+          </a:prstGeom>
+        </p:spPr>
+      </p:pic>
+      <p:pic>
+        <p:nvPicPr>
+          <p:cNvPr id="11" name="Grafik 10">
+            <a:extLst>
+              <a:ext uri="{FF2B5EF4-FFF2-40B4-BE49-F238E27FC236}">
+                <a16:creationId xmlns:a16="http://schemas.microsoft.com/office/drawing/2014/main" id="{72B8C48B-8DC7-403B-9FA0-542B4E16B3AF}"/>
+              </a:ext>
+            </a:extLst>
+          </p:cNvPr>
+          <p:cNvPicPr>
+            <a:picLocks noChangeAspect="1"/>
+          </p:cNvPicPr>
+          <p:nvPr/>
+        </p:nvPicPr>
+        <p:blipFill>
+          <a:blip r:embed="rId5"/>
           <a:stretch>
             <a:fillRect/>
           </a:stretch>
@@ -7005,123 +8556,74 @@
           </a:prstGeom>
         </p:spPr>
       </p:pic>
-      <p:sp>
-        <p:nvSpPr>
-          <p:cNvPr id="12" name="Datumsplatzhalter 11">
-            <a:extLst>
-              <a:ext uri="{FF2B5EF4-FFF2-40B4-BE49-F238E27FC236}">
-                <a16:creationId xmlns:a16="http://schemas.microsoft.com/office/drawing/2014/main" id="{77DB9134-6895-43A5-A5B0-D398D89DA93E}"/>
-              </a:ext>
-            </a:extLst>
-          </p:cNvPr>
-          <p:cNvSpPr>
-            <a:spLocks noGrp="1"/>
-          </p:cNvSpPr>
-          <p:nvPr>
-            <p:ph type="dt" sz="half" idx="10"/>
-          </p:nvPr>
-        </p:nvSpPr>
-        <p:spPr/>
-        <p:txBody>
-          <a:bodyPr/>
-          <a:lstStyle/>
-          <a:p>
-            <a:fld id="{0F1B9CE8-22FE-489D-8146-86D4CCCEF860}" type="datetime1">
-              <a:rPr lang="de-AT" smtClean="0"/>
-              <a:t>02.08.2021</a:t>
-            </a:fld>
-            <a:endParaRPr lang="de-AT"/>
-          </a:p>
-        </p:txBody>
-      </p:sp>
-      <p:sp>
-        <p:nvSpPr>
-          <p:cNvPr id="13" name="Fußzeilenplatzhalter 12">
-            <a:extLst>
-              <a:ext uri="{FF2B5EF4-FFF2-40B4-BE49-F238E27FC236}">
-                <a16:creationId xmlns:a16="http://schemas.microsoft.com/office/drawing/2014/main" id="{0FC75E1E-EC0F-41E9-BBFF-3794DB5A18D4}"/>
-              </a:ext>
-            </a:extLst>
-          </p:cNvPr>
-          <p:cNvSpPr>
-            <a:spLocks noGrp="1"/>
-          </p:cNvSpPr>
-          <p:nvPr>
-            <p:ph type="ftr" sz="quarter" idx="11"/>
-          </p:nvPr>
-        </p:nvSpPr>
-        <p:spPr/>
-        <p:txBody>
-          <a:bodyPr/>
-          <a:lstStyle/>
-          <a:p>
-            <a:r>
-              <a:rPr lang="de-AT"/>
-              <a:t>Praktikum Juli 2021</a:t>
-            </a:r>
-            <a:endParaRPr lang="de-AT" dirty="0"/>
-          </a:p>
-        </p:txBody>
-      </p:sp>
-      <p:sp>
-        <p:nvSpPr>
-          <p:cNvPr id="14" name="Foliennummernplatzhalter 13">
-            <a:extLst>
-              <a:ext uri="{FF2B5EF4-FFF2-40B4-BE49-F238E27FC236}">
-                <a16:creationId xmlns:a16="http://schemas.microsoft.com/office/drawing/2014/main" id="{5A3276F9-5B1F-48A3-AC7D-32BF6E91D4C4}"/>
-              </a:ext>
-            </a:extLst>
-          </p:cNvPr>
-          <p:cNvSpPr>
-            <a:spLocks noGrp="1"/>
-          </p:cNvSpPr>
-          <p:nvPr>
-            <p:ph type="sldNum" sz="quarter" idx="12"/>
-          </p:nvPr>
-        </p:nvSpPr>
-        <p:spPr/>
-        <p:txBody>
-          <a:bodyPr/>
-          <a:lstStyle/>
-          <a:p>
-            <a:fld id="{0108AC81-54E4-434D-8474-026E8B449A41}" type="slidenum">
-              <a:rPr lang="de-AT" smtClean="0"/>
-              <a:t>9</a:t>
-            </a:fld>
-            <a:endParaRPr lang="de-AT" dirty="0"/>
-          </a:p>
-        </p:txBody>
-      </p:sp>
       <p:pic>
         <p:nvPicPr>
-          <p:cNvPr id="16" name="Grafik 15">
-            <a:extLst>
-              <a:ext uri="{FF2B5EF4-FFF2-40B4-BE49-F238E27FC236}">
-                <a16:creationId xmlns:a16="http://schemas.microsoft.com/office/drawing/2014/main" id="{054910DF-6073-43BE-81F1-B77A30AF7EA2}"/>
+          <p:cNvPr id="7" name="Inhaltsplatzhalter 6">
+            <a:extLst>
+              <a:ext uri="{FF2B5EF4-FFF2-40B4-BE49-F238E27FC236}">
+                <a16:creationId xmlns:a16="http://schemas.microsoft.com/office/drawing/2014/main" id="{182026FE-1170-491A-8B72-FE69905769E0}"/>
               </a:ext>
             </a:extLst>
           </p:cNvPr>
           <p:cNvPicPr>
-            <a:picLocks noChangeAspect="1"/>
+            <a:picLocks noGrp="1" noChangeAspect="1"/>
           </p:cNvPicPr>
-          <p:nvPr/>
+          <p:nvPr>
+            <p:ph idx="1"/>
+          </p:nvPr>
         </p:nvPicPr>
         <p:blipFill>
-          <a:blip r:embed="rId5"/>
+          <a:blip r:embed="rId6"/>
           <a:stretch>
             <a:fillRect/>
           </a:stretch>
         </p:blipFill>
         <p:spPr>
           <a:xfrm>
-            <a:off x="1001840" y="3115616"/>
-            <a:ext cx="2179509" cy="3337849"/>
+            <a:off x="3181350" y="1559934"/>
+            <a:ext cx="2099066" cy="5315506"/>
+          </a:xfrm>
+        </p:spPr>
+      </p:pic>
+      <p:sp>
+        <p:nvSpPr>
+          <p:cNvPr id="15" name="Textfeld 14">
+            <a:extLst>
+              <a:ext uri="{FF2B5EF4-FFF2-40B4-BE49-F238E27FC236}">
+                <a16:creationId xmlns:a16="http://schemas.microsoft.com/office/drawing/2014/main" id="{17F12CD8-D5E8-4789-8C1F-0CE70406635D}"/>
+              </a:ext>
+            </a:extLst>
+          </p:cNvPr>
+          <p:cNvSpPr txBox="1"/>
+          <p:nvPr/>
+        </p:nvSpPr>
+        <p:spPr>
+          <a:xfrm>
+            <a:off x="11115628" y="6338910"/>
+            <a:ext cx="403655" cy="369332"/>
           </a:xfrm>
           <a:prstGeom prst="rect">
             <a:avLst/>
           </a:prstGeom>
+          <a:noFill/>
         </p:spPr>
-      </p:pic>
+        <p:txBody>
+          <a:bodyPr wrap="square">
+            <a:spAutoFit/>
+          </a:bodyPr>
+          <a:lstStyle/>
+          <a:p>
+            <a:r>
+              <a:rPr lang="de-AT" dirty="0">
+                <a:solidFill>
+                  <a:srgbClr val="898989"/>
+                </a:solidFill>
+              </a:rPr>
+              <a:t>9</a:t>
+            </a:r>
+          </a:p>
+        </p:txBody>
+      </p:sp>
     </p:spTree>
     <p:extLst>
       <p:ext uri="{BB962C8B-B14F-4D97-AF65-F5344CB8AC3E}">
